--- a/3o-Paradoteo/Διάγραμμα_Περιπτώσεων.pptx
+++ b/3o-Paradoteo/Διάγραμμα_Περιπτώσεων.pptx
@@ -1,11 +1,11 @@
 
 <file path=ppt/presentation.xml><?xml version="1.0" encoding="utf-8"?>
-<p:presentation xmlns:a="http://schemas.openxmlformats.org/drawingml/2006/main" xmlns:r="http://schemas.openxmlformats.org/officeDocument/2006/relationships" xmlns:p="http://schemas.openxmlformats.org/presentationml/2006/main" saveSubsetFonts="1">
+<p:presentation xmlns:a="http://schemas.openxmlformats.org/drawingml/2006/main" xmlns:r="http://schemas.openxmlformats.org/officeDocument/2006/relationships" xmlns:p="http://schemas.openxmlformats.org/presentationml/2006/main">
   <p:sldMasterIdLst>
-    <p:sldMasterId id="2147483660" r:id="rId1"/>
+    <p:sldMasterId id="2147483648" r:id="rId1"/>
   </p:sldMasterIdLst>
   <p:sldIdLst>
-    <p:sldId id="256" r:id="rId2"/>
+    <p:sldId id="256" r:id="rId3"/>
   </p:sldIdLst>
   <p:sldSz cx="14630400" cy="10972800"/>
   <p:notesSz cx="6858000" cy="9144000"/>
@@ -238,7 +238,6 @@
           <a:p>
             <a:fld id="{EA0FD0C2-7214-4E50-BAA8-AFE4C43B9E0C}" type="datetimeFigureOut">
               <a:rPr lang="en-US" smtClean="0"/>
-              <a:t>5/4/2022</a:t>
             </a:fld>
             <a:endParaRPr lang="en-US"/>
           </a:p>
@@ -280,18 +279,12 @@
           <a:p>
             <a:fld id="{B155A2B4-36AE-47C5-9E45-83A0B17CF5A7}" type="slidenum">
               <a:rPr lang="en-US" smtClean="0"/>
-              <a:t>‹#›</a:t>
             </a:fld>
             <a:endParaRPr lang="en-US"/>
           </a:p>
         </p:txBody>
       </p:sp>
     </p:spTree>
-    <p:extLst>
-      <p:ext uri="{BB962C8B-B14F-4D97-AF65-F5344CB8AC3E}">
-        <p14:creationId xmlns:p14="http://schemas.microsoft.com/office/powerpoint/2010/main" val="1454091152"/>
-      </p:ext>
-    </p:extLst>
   </p:cSld>
   <p:clrMapOvr>
     <a:masterClrMapping/>
@@ -359,6 +352,7 @@
               <a:rPr lang="en-US"/>
               <a:t>Click to edit Master text styles</a:t>
             </a:r>
+            <a:endParaRPr lang="en-US"/>
           </a:p>
           <a:p>
             <a:pPr lvl="1"/>
@@ -366,6 +360,7 @@
               <a:rPr lang="en-US"/>
               <a:t>Second level</a:t>
             </a:r>
+            <a:endParaRPr lang="en-US"/>
           </a:p>
           <a:p>
             <a:pPr lvl="2"/>
@@ -373,6 +368,7 @@
               <a:rPr lang="en-US"/>
               <a:t>Third level</a:t>
             </a:r>
+            <a:endParaRPr lang="en-US"/>
           </a:p>
           <a:p>
             <a:pPr lvl="3"/>
@@ -380,6 +376,7 @@
               <a:rPr lang="en-US"/>
               <a:t>Fourth level</a:t>
             </a:r>
+            <a:endParaRPr lang="en-US"/>
           </a:p>
           <a:p>
             <a:pPr lvl="4"/>
@@ -408,7 +405,6 @@
           <a:p>
             <a:fld id="{EA0FD0C2-7214-4E50-BAA8-AFE4C43B9E0C}" type="datetimeFigureOut">
               <a:rPr lang="en-US" smtClean="0"/>
-              <a:t>5/4/2022</a:t>
             </a:fld>
             <a:endParaRPr lang="en-US"/>
           </a:p>
@@ -450,18 +446,12 @@
           <a:p>
             <a:fld id="{B155A2B4-36AE-47C5-9E45-83A0B17CF5A7}" type="slidenum">
               <a:rPr lang="en-US" smtClean="0"/>
-              <a:t>‹#›</a:t>
             </a:fld>
             <a:endParaRPr lang="en-US"/>
           </a:p>
         </p:txBody>
       </p:sp>
     </p:spTree>
-    <p:extLst>
-      <p:ext uri="{BB962C8B-B14F-4D97-AF65-F5344CB8AC3E}">
-        <p14:creationId xmlns:p14="http://schemas.microsoft.com/office/powerpoint/2010/main" val="2512886593"/>
-      </p:ext>
-    </p:extLst>
   </p:cSld>
   <p:clrMapOvr>
     <a:masterClrMapping/>
@@ -539,6 +529,7 @@
               <a:rPr lang="en-US"/>
               <a:t>Click to edit Master text styles</a:t>
             </a:r>
+            <a:endParaRPr lang="en-US"/>
           </a:p>
           <a:p>
             <a:pPr lvl="1"/>
@@ -546,6 +537,7 @@
               <a:rPr lang="en-US"/>
               <a:t>Second level</a:t>
             </a:r>
+            <a:endParaRPr lang="en-US"/>
           </a:p>
           <a:p>
             <a:pPr lvl="2"/>
@@ -553,6 +545,7 @@
               <a:rPr lang="en-US"/>
               <a:t>Third level</a:t>
             </a:r>
+            <a:endParaRPr lang="en-US"/>
           </a:p>
           <a:p>
             <a:pPr lvl="3"/>
@@ -560,6 +553,7 @@
               <a:rPr lang="en-US"/>
               <a:t>Fourth level</a:t>
             </a:r>
+            <a:endParaRPr lang="en-US"/>
           </a:p>
           <a:p>
             <a:pPr lvl="4"/>
@@ -588,7 +582,6 @@
           <a:p>
             <a:fld id="{EA0FD0C2-7214-4E50-BAA8-AFE4C43B9E0C}" type="datetimeFigureOut">
               <a:rPr lang="en-US" smtClean="0"/>
-              <a:t>5/4/2022</a:t>
             </a:fld>
             <a:endParaRPr lang="en-US"/>
           </a:p>
@@ -630,18 +623,12 @@
           <a:p>
             <a:fld id="{B155A2B4-36AE-47C5-9E45-83A0B17CF5A7}" type="slidenum">
               <a:rPr lang="en-US" smtClean="0"/>
-              <a:t>‹#›</a:t>
             </a:fld>
             <a:endParaRPr lang="en-US"/>
           </a:p>
         </p:txBody>
       </p:sp>
     </p:spTree>
-    <p:extLst>
-      <p:ext uri="{BB962C8B-B14F-4D97-AF65-F5344CB8AC3E}">
-        <p14:creationId xmlns:p14="http://schemas.microsoft.com/office/powerpoint/2010/main" val="687703371"/>
-      </p:ext>
-    </p:extLst>
   </p:cSld>
   <p:clrMapOvr>
     <a:masterClrMapping/>
@@ -709,6 +696,7 @@
               <a:rPr lang="en-US"/>
               <a:t>Click to edit Master text styles</a:t>
             </a:r>
+            <a:endParaRPr lang="en-US"/>
           </a:p>
           <a:p>
             <a:pPr lvl="1"/>
@@ -716,6 +704,7 @@
               <a:rPr lang="en-US"/>
               <a:t>Second level</a:t>
             </a:r>
+            <a:endParaRPr lang="en-US"/>
           </a:p>
           <a:p>
             <a:pPr lvl="2"/>
@@ -723,6 +712,7 @@
               <a:rPr lang="en-US"/>
               <a:t>Third level</a:t>
             </a:r>
+            <a:endParaRPr lang="en-US"/>
           </a:p>
           <a:p>
             <a:pPr lvl="3"/>
@@ -730,6 +720,7 @@
               <a:rPr lang="en-US"/>
               <a:t>Fourth level</a:t>
             </a:r>
+            <a:endParaRPr lang="en-US"/>
           </a:p>
           <a:p>
             <a:pPr lvl="4"/>
@@ -758,7 +749,6 @@
           <a:p>
             <a:fld id="{EA0FD0C2-7214-4E50-BAA8-AFE4C43B9E0C}" type="datetimeFigureOut">
               <a:rPr lang="en-US" smtClean="0"/>
-              <a:t>5/4/2022</a:t>
             </a:fld>
             <a:endParaRPr lang="en-US"/>
           </a:p>
@@ -800,18 +790,12 @@
           <a:p>
             <a:fld id="{B155A2B4-36AE-47C5-9E45-83A0B17CF5A7}" type="slidenum">
               <a:rPr lang="en-US" smtClean="0"/>
-              <a:t>‹#›</a:t>
             </a:fld>
             <a:endParaRPr lang="en-US"/>
           </a:p>
         </p:txBody>
       </p:sp>
     </p:spTree>
-    <p:extLst>
-      <p:ext uri="{BB962C8B-B14F-4D97-AF65-F5344CB8AC3E}">
-        <p14:creationId xmlns:p14="http://schemas.microsoft.com/office/powerpoint/2010/main" val="546229111"/>
-      </p:ext>
-    </p:extLst>
   </p:cSld>
   <p:clrMapOvr>
     <a:masterClrMapping/>
@@ -982,6 +966,7 @@
               <a:rPr lang="en-US"/>
               <a:t>Click to edit Master text styles</a:t>
             </a:r>
+            <a:endParaRPr lang="en-US"/>
           </a:p>
         </p:txBody>
       </p:sp>
@@ -1002,7 +987,6 @@
           <a:p>
             <a:fld id="{EA0FD0C2-7214-4E50-BAA8-AFE4C43B9E0C}" type="datetimeFigureOut">
               <a:rPr lang="en-US" smtClean="0"/>
-              <a:t>5/4/2022</a:t>
             </a:fld>
             <a:endParaRPr lang="en-US"/>
           </a:p>
@@ -1044,18 +1028,12 @@
           <a:p>
             <a:fld id="{B155A2B4-36AE-47C5-9E45-83A0B17CF5A7}" type="slidenum">
               <a:rPr lang="en-US" smtClean="0"/>
-              <a:t>‹#›</a:t>
             </a:fld>
             <a:endParaRPr lang="en-US"/>
           </a:p>
         </p:txBody>
       </p:sp>
     </p:spTree>
-    <p:extLst>
-      <p:ext uri="{BB962C8B-B14F-4D97-AF65-F5344CB8AC3E}">
-        <p14:creationId xmlns:p14="http://schemas.microsoft.com/office/powerpoint/2010/main" val="2815424012"/>
-      </p:ext>
-    </p:extLst>
   </p:cSld>
   <p:clrMapOvr>
     <a:masterClrMapping/>
@@ -1128,6 +1106,7 @@
               <a:rPr lang="en-US"/>
               <a:t>Click to edit Master text styles</a:t>
             </a:r>
+            <a:endParaRPr lang="en-US"/>
           </a:p>
           <a:p>
             <a:pPr lvl="1"/>
@@ -1135,6 +1114,7 @@
               <a:rPr lang="en-US"/>
               <a:t>Second level</a:t>
             </a:r>
+            <a:endParaRPr lang="en-US"/>
           </a:p>
           <a:p>
             <a:pPr lvl="2"/>
@@ -1142,6 +1122,7 @@
               <a:rPr lang="en-US"/>
               <a:t>Third level</a:t>
             </a:r>
+            <a:endParaRPr lang="en-US"/>
           </a:p>
           <a:p>
             <a:pPr lvl="3"/>
@@ -1149,6 +1130,7 @@
               <a:rPr lang="en-US"/>
               <a:t>Fourth level</a:t>
             </a:r>
+            <a:endParaRPr lang="en-US"/>
           </a:p>
           <a:p>
             <a:pPr lvl="4"/>
@@ -1185,6 +1167,7 @@
               <a:rPr lang="en-US"/>
               <a:t>Click to edit Master text styles</a:t>
             </a:r>
+            <a:endParaRPr lang="en-US"/>
           </a:p>
           <a:p>
             <a:pPr lvl="1"/>
@@ -1192,6 +1175,7 @@
               <a:rPr lang="en-US"/>
               <a:t>Second level</a:t>
             </a:r>
+            <a:endParaRPr lang="en-US"/>
           </a:p>
           <a:p>
             <a:pPr lvl="2"/>
@@ -1199,6 +1183,7 @@
               <a:rPr lang="en-US"/>
               <a:t>Third level</a:t>
             </a:r>
+            <a:endParaRPr lang="en-US"/>
           </a:p>
           <a:p>
             <a:pPr lvl="3"/>
@@ -1206,6 +1191,7 @@
               <a:rPr lang="en-US"/>
               <a:t>Fourth level</a:t>
             </a:r>
+            <a:endParaRPr lang="en-US"/>
           </a:p>
           <a:p>
             <a:pPr lvl="4"/>
@@ -1234,7 +1220,6 @@
           <a:p>
             <a:fld id="{EA0FD0C2-7214-4E50-BAA8-AFE4C43B9E0C}" type="datetimeFigureOut">
               <a:rPr lang="en-US" smtClean="0"/>
-              <a:t>5/4/2022</a:t>
             </a:fld>
             <a:endParaRPr lang="en-US"/>
           </a:p>
@@ -1276,18 +1261,12 @@
           <a:p>
             <a:fld id="{B155A2B4-36AE-47C5-9E45-83A0B17CF5A7}" type="slidenum">
               <a:rPr lang="en-US" smtClean="0"/>
-              <a:t>‹#›</a:t>
             </a:fld>
             <a:endParaRPr lang="en-US"/>
           </a:p>
         </p:txBody>
       </p:sp>
     </p:spTree>
-    <p:extLst>
-      <p:ext uri="{BB962C8B-B14F-4D97-AF65-F5344CB8AC3E}">
-        <p14:creationId xmlns:p14="http://schemas.microsoft.com/office/powerpoint/2010/main" val="2949834693"/>
-      </p:ext>
-    </p:extLst>
   </p:cSld>
   <p:clrMapOvr>
     <a:masterClrMapping/>
@@ -1402,6 +1381,7 @@
               <a:rPr lang="en-US"/>
               <a:t>Click to edit Master text styles</a:t>
             </a:r>
+            <a:endParaRPr lang="en-US"/>
           </a:p>
         </p:txBody>
       </p:sp>
@@ -1430,6 +1410,7 @@
               <a:rPr lang="en-US"/>
               <a:t>Click to edit Master text styles</a:t>
             </a:r>
+            <a:endParaRPr lang="en-US"/>
           </a:p>
           <a:p>
             <a:pPr lvl="1"/>
@@ -1437,6 +1418,7 @@
               <a:rPr lang="en-US"/>
               <a:t>Second level</a:t>
             </a:r>
+            <a:endParaRPr lang="en-US"/>
           </a:p>
           <a:p>
             <a:pPr lvl="2"/>
@@ -1444,6 +1426,7 @@
               <a:rPr lang="en-US"/>
               <a:t>Third level</a:t>
             </a:r>
+            <a:endParaRPr lang="en-US"/>
           </a:p>
           <a:p>
             <a:pPr lvl="3"/>
@@ -1451,6 +1434,7 @@
               <a:rPr lang="en-US"/>
               <a:t>Fourth level</a:t>
             </a:r>
+            <a:endParaRPr lang="en-US"/>
           </a:p>
           <a:p>
             <a:pPr lvl="4"/>
@@ -1524,6 +1508,7 @@
               <a:rPr lang="en-US"/>
               <a:t>Click to edit Master text styles</a:t>
             </a:r>
+            <a:endParaRPr lang="en-US"/>
           </a:p>
         </p:txBody>
       </p:sp>
@@ -1552,6 +1537,7 @@
               <a:rPr lang="en-US"/>
               <a:t>Click to edit Master text styles</a:t>
             </a:r>
+            <a:endParaRPr lang="en-US"/>
           </a:p>
           <a:p>
             <a:pPr lvl="1"/>
@@ -1559,6 +1545,7 @@
               <a:rPr lang="en-US"/>
               <a:t>Second level</a:t>
             </a:r>
+            <a:endParaRPr lang="en-US"/>
           </a:p>
           <a:p>
             <a:pPr lvl="2"/>
@@ -1566,6 +1553,7 @@
               <a:rPr lang="en-US"/>
               <a:t>Third level</a:t>
             </a:r>
+            <a:endParaRPr lang="en-US"/>
           </a:p>
           <a:p>
             <a:pPr lvl="3"/>
@@ -1573,6 +1561,7 @@
               <a:rPr lang="en-US"/>
               <a:t>Fourth level</a:t>
             </a:r>
+            <a:endParaRPr lang="en-US"/>
           </a:p>
           <a:p>
             <a:pPr lvl="4"/>
@@ -1601,7 +1590,6 @@
           <a:p>
             <a:fld id="{EA0FD0C2-7214-4E50-BAA8-AFE4C43B9E0C}" type="datetimeFigureOut">
               <a:rPr lang="en-US" smtClean="0"/>
-              <a:t>5/4/2022</a:t>
             </a:fld>
             <a:endParaRPr lang="en-US"/>
           </a:p>
@@ -1643,18 +1631,12 @@
           <a:p>
             <a:fld id="{B155A2B4-36AE-47C5-9E45-83A0B17CF5A7}" type="slidenum">
               <a:rPr lang="en-US" smtClean="0"/>
-              <a:t>‹#›</a:t>
             </a:fld>
             <a:endParaRPr lang="en-US"/>
           </a:p>
         </p:txBody>
       </p:sp>
     </p:spTree>
-    <p:extLst>
-      <p:ext uri="{BB962C8B-B14F-4D97-AF65-F5344CB8AC3E}">
-        <p14:creationId xmlns:p14="http://schemas.microsoft.com/office/powerpoint/2010/main" val="3125276858"/>
-      </p:ext>
-    </p:extLst>
   </p:cSld>
   <p:clrMapOvr>
     <a:masterClrMapping/>
@@ -1719,7 +1701,6 @@
           <a:p>
             <a:fld id="{EA0FD0C2-7214-4E50-BAA8-AFE4C43B9E0C}" type="datetimeFigureOut">
               <a:rPr lang="en-US" smtClean="0"/>
-              <a:t>5/4/2022</a:t>
             </a:fld>
             <a:endParaRPr lang="en-US"/>
           </a:p>
@@ -1761,18 +1742,12 @@
           <a:p>
             <a:fld id="{B155A2B4-36AE-47C5-9E45-83A0B17CF5A7}" type="slidenum">
               <a:rPr lang="en-US" smtClean="0"/>
-              <a:t>‹#›</a:t>
             </a:fld>
             <a:endParaRPr lang="en-US"/>
           </a:p>
         </p:txBody>
       </p:sp>
     </p:spTree>
-    <p:extLst>
-      <p:ext uri="{BB962C8B-B14F-4D97-AF65-F5344CB8AC3E}">
-        <p14:creationId xmlns:p14="http://schemas.microsoft.com/office/powerpoint/2010/main" val="2866652103"/>
-      </p:ext>
-    </p:extLst>
   </p:cSld>
   <p:clrMapOvr>
     <a:masterClrMapping/>
@@ -1814,7 +1789,6 @@
           <a:p>
             <a:fld id="{EA0FD0C2-7214-4E50-BAA8-AFE4C43B9E0C}" type="datetimeFigureOut">
               <a:rPr lang="en-US" smtClean="0"/>
-              <a:t>5/4/2022</a:t>
             </a:fld>
             <a:endParaRPr lang="en-US"/>
           </a:p>
@@ -1856,18 +1830,12 @@
           <a:p>
             <a:fld id="{B155A2B4-36AE-47C5-9E45-83A0B17CF5A7}" type="slidenum">
               <a:rPr lang="en-US" smtClean="0"/>
-              <a:t>‹#›</a:t>
             </a:fld>
             <a:endParaRPr lang="en-US"/>
           </a:p>
         </p:txBody>
       </p:sp>
     </p:spTree>
-    <p:extLst>
-      <p:ext uri="{BB962C8B-B14F-4D97-AF65-F5344CB8AC3E}">
-        <p14:creationId xmlns:p14="http://schemas.microsoft.com/office/powerpoint/2010/main" val="2314764430"/>
-      </p:ext>
-    </p:extLst>
   </p:cSld>
   <p:clrMapOvr>
     <a:masterClrMapping/>
@@ -1977,6 +1945,7 @@
               <a:rPr lang="en-US"/>
               <a:t>Click to edit Master text styles</a:t>
             </a:r>
+            <a:endParaRPr lang="en-US"/>
           </a:p>
           <a:p>
             <a:pPr lvl="1"/>
@@ -1984,6 +1953,7 @@
               <a:rPr lang="en-US"/>
               <a:t>Second level</a:t>
             </a:r>
+            <a:endParaRPr lang="en-US"/>
           </a:p>
           <a:p>
             <a:pPr lvl="2"/>
@@ -1991,6 +1961,7 @@
               <a:rPr lang="en-US"/>
               <a:t>Third level</a:t>
             </a:r>
+            <a:endParaRPr lang="en-US"/>
           </a:p>
           <a:p>
             <a:pPr lvl="3"/>
@@ -1998,6 +1969,7 @@
               <a:rPr lang="en-US"/>
               <a:t>Fourth level</a:t>
             </a:r>
+            <a:endParaRPr lang="en-US"/>
           </a:p>
           <a:p>
             <a:pPr lvl="4"/>
@@ -2071,6 +2043,7 @@
               <a:rPr lang="en-US"/>
               <a:t>Click to edit Master text styles</a:t>
             </a:r>
+            <a:endParaRPr lang="en-US"/>
           </a:p>
         </p:txBody>
       </p:sp>
@@ -2091,7 +2064,6 @@
           <a:p>
             <a:fld id="{EA0FD0C2-7214-4E50-BAA8-AFE4C43B9E0C}" type="datetimeFigureOut">
               <a:rPr lang="en-US" smtClean="0"/>
-              <a:t>5/4/2022</a:t>
             </a:fld>
             <a:endParaRPr lang="en-US"/>
           </a:p>
@@ -2133,18 +2105,12 @@
           <a:p>
             <a:fld id="{B155A2B4-36AE-47C5-9E45-83A0B17CF5A7}" type="slidenum">
               <a:rPr lang="en-US" smtClean="0"/>
-              <a:t>‹#›</a:t>
             </a:fld>
             <a:endParaRPr lang="en-US"/>
           </a:p>
         </p:txBody>
       </p:sp>
     </p:spTree>
-    <p:extLst>
-      <p:ext uri="{BB962C8B-B14F-4D97-AF65-F5344CB8AC3E}">
-        <p14:creationId xmlns:p14="http://schemas.microsoft.com/office/powerpoint/2010/main" val="2810368361"/>
-      </p:ext>
-    </p:extLst>
   </p:cSld>
   <p:clrMapOvr>
     <a:masterClrMapping/>
@@ -2328,6 +2294,7 @@
               <a:rPr lang="en-US"/>
               <a:t>Click to edit Master text styles</a:t>
             </a:r>
+            <a:endParaRPr lang="en-US"/>
           </a:p>
         </p:txBody>
       </p:sp>
@@ -2348,7 +2315,6 @@
           <a:p>
             <a:fld id="{EA0FD0C2-7214-4E50-BAA8-AFE4C43B9E0C}" type="datetimeFigureOut">
               <a:rPr lang="en-US" smtClean="0"/>
-              <a:t>5/4/2022</a:t>
             </a:fld>
             <a:endParaRPr lang="en-US"/>
           </a:p>
@@ -2390,18 +2356,12 @@
           <a:p>
             <a:fld id="{B155A2B4-36AE-47C5-9E45-83A0B17CF5A7}" type="slidenum">
               <a:rPr lang="en-US" smtClean="0"/>
-              <a:t>‹#›</a:t>
             </a:fld>
             <a:endParaRPr lang="en-US"/>
           </a:p>
         </p:txBody>
       </p:sp>
     </p:spTree>
-    <p:extLst>
-      <p:ext uri="{BB962C8B-B14F-4D97-AF65-F5344CB8AC3E}">
-        <p14:creationId xmlns:p14="http://schemas.microsoft.com/office/powerpoint/2010/main" val="2877178153"/>
-      </p:ext>
-    </p:extLst>
   </p:cSld>
   <p:clrMapOvr>
     <a:masterClrMapping/>
@@ -2494,6 +2454,7 @@
               <a:rPr lang="en-US"/>
               <a:t>Click to edit Master text styles</a:t>
             </a:r>
+            <a:endParaRPr lang="en-US"/>
           </a:p>
           <a:p>
             <a:pPr lvl="1"/>
@@ -2501,6 +2462,7 @@
               <a:rPr lang="en-US"/>
               <a:t>Second level</a:t>
             </a:r>
+            <a:endParaRPr lang="en-US"/>
           </a:p>
           <a:p>
             <a:pPr lvl="2"/>
@@ -2508,6 +2470,7 @@
               <a:rPr lang="en-US"/>
               <a:t>Third level</a:t>
             </a:r>
+            <a:endParaRPr lang="en-US"/>
           </a:p>
           <a:p>
             <a:pPr lvl="3"/>
@@ -2515,6 +2478,7 @@
               <a:rPr lang="en-US"/>
               <a:t>Fourth level</a:t>
             </a:r>
+            <a:endParaRPr lang="en-US"/>
           </a:p>
           <a:p>
             <a:pPr lvl="4"/>
@@ -2561,7 +2525,6 @@
           <a:p>
             <a:fld id="{EA0FD0C2-7214-4E50-BAA8-AFE4C43B9E0C}" type="datetimeFigureOut">
               <a:rPr lang="en-US" smtClean="0"/>
-              <a:t>5/4/2022</a:t>
             </a:fld>
             <a:endParaRPr lang="en-US"/>
           </a:p>
@@ -2639,32 +2602,26 @@
           <a:p>
             <a:fld id="{B155A2B4-36AE-47C5-9E45-83A0B17CF5A7}" type="slidenum">
               <a:rPr lang="en-US" smtClean="0"/>
-              <a:t>‹#›</a:t>
             </a:fld>
             <a:endParaRPr lang="en-US"/>
           </a:p>
         </p:txBody>
       </p:sp>
     </p:spTree>
-    <p:extLst>
-      <p:ext uri="{BB962C8B-B14F-4D97-AF65-F5344CB8AC3E}">
-        <p14:creationId xmlns:p14="http://schemas.microsoft.com/office/powerpoint/2010/main" val="2540032389"/>
-      </p:ext>
-    </p:extLst>
   </p:cSld>
   <p:clrMap bg1="lt1" tx1="dk1" bg2="lt2" tx2="dk2" accent1="accent1" accent2="accent2" accent3="accent3" accent4="accent4" accent5="accent5" accent6="accent6" hlink="hlink" folHlink="folHlink"/>
   <p:sldLayoutIdLst>
-    <p:sldLayoutId id="2147483661" r:id="rId1"/>
-    <p:sldLayoutId id="2147483662" r:id="rId2"/>
-    <p:sldLayoutId id="2147483663" r:id="rId3"/>
-    <p:sldLayoutId id="2147483664" r:id="rId4"/>
-    <p:sldLayoutId id="2147483665" r:id="rId5"/>
-    <p:sldLayoutId id="2147483666" r:id="rId6"/>
-    <p:sldLayoutId id="2147483667" r:id="rId7"/>
-    <p:sldLayoutId id="2147483668" r:id="rId8"/>
-    <p:sldLayoutId id="2147483669" r:id="rId9"/>
-    <p:sldLayoutId id="2147483670" r:id="rId10"/>
-    <p:sldLayoutId id="2147483671" r:id="rId11"/>
+    <p:sldLayoutId id="2147483649" r:id="rId1"/>
+    <p:sldLayoutId id="2147483650" r:id="rId2"/>
+    <p:sldLayoutId id="2147483651" r:id="rId3"/>
+    <p:sldLayoutId id="2147483652" r:id="rId4"/>
+    <p:sldLayoutId id="2147483653" r:id="rId5"/>
+    <p:sldLayoutId id="2147483654" r:id="rId6"/>
+    <p:sldLayoutId id="2147483655" r:id="rId7"/>
+    <p:sldLayoutId id="2147483656" r:id="rId8"/>
+    <p:sldLayoutId id="2147483657" r:id="rId9"/>
+    <p:sldLayoutId id="2147483658" r:id="rId10"/>
+    <p:sldLayoutId id="2147483659" r:id="rId11"/>
   </p:sldLayoutIdLst>
   <p:txStyles>
     <p:titleStyle>
@@ -2968,16 +2925,8 @@
       </p:grpSpPr>
       <p:cxnSp>
         <p:nvCxnSpPr>
-          <p:cNvPr id="11" name="Straight Connector 10">
-            <a:extLst>
-              <a:ext uri="{FF2B5EF4-FFF2-40B4-BE49-F238E27FC236}">
-                <a16:creationId xmlns:a16="http://schemas.microsoft.com/office/drawing/2014/main" id="{5170377C-2459-BDF1-B329-D8D809C31807}"/>
-              </a:ext>
-            </a:extLst>
-          </p:cNvPr>
-          <p:cNvCxnSpPr>
-            <a:cxnSpLocks/>
-          </p:cNvCxnSpPr>
+          <p:cNvPr id="11" name="Straight Connector 10"/>
+          <p:cNvCxnSpPr/>
           <p:nvPr/>
         </p:nvCxnSpPr>
         <p:spPr>
@@ -3006,16 +2955,8 @@
       </p:cxnSp>
       <p:cxnSp>
         <p:nvCxnSpPr>
-          <p:cNvPr id="12" name="Straight Connector 11">
-            <a:extLst>
-              <a:ext uri="{FF2B5EF4-FFF2-40B4-BE49-F238E27FC236}">
-                <a16:creationId xmlns:a16="http://schemas.microsoft.com/office/drawing/2014/main" id="{B7AE43FD-C9D8-6533-FA3E-790E58113169}"/>
-              </a:ext>
-            </a:extLst>
-          </p:cNvPr>
-          <p:cNvCxnSpPr>
-            <a:cxnSpLocks/>
-          </p:cNvCxnSpPr>
+          <p:cNvPr id="12" name="Straight Connector 11"/>
+          <p:cNvCxnSpPr/>
           <p:nvPr/>
         </p:nvCxnSpPr>
         <p:spPr>
@@ -3044,16 +2985,8 @@
       </p:cxnSp>
       <p:cxnSp>
         <p:nvCxnSpPr>
-          <p:cNvPr id="15" name="Straight Connector 14">
-            <a:extLst>
-              <a:ext uri="{FF2B5EF4-FFF2-40B4-BE49-F238E27FC236}">
-                <a16:creationId xmlns:a16="http://schemas.microsoft.com/office/drawing/2014/main" id="{AB6DA2C0-5755-3E4D-AE27-4081235F9BDE}"/>
-              </a:ext>
-            </a:extLst>
-          </p:cNvPr>
-          <p:cNvCxnSpPr>
-            <a:cxnSpLocks/>
-          </p:cNvCxnSpPr>
+          <p:cNvPr id="15" name="Straight Connector 14"/>
+          <p:cNvCxnSpPr/>
           <p:nvPr/>
         </p:nvCxnSpPr>
         <p:spPr>
@@ -3082,16 +3015,8 @@
       </p:cxnSp>
       <p:cxnSp>
         <p:nvCxnSpPr>
-          <p:cNvPr id="17" name="Straight Connector 16">
-            <a:extLst>
-              <a:ext uri="{FF2B5EF4-FFF2-40B4-BE49-F238E27FC236}">
-                <a16:creationId xmlns:a16="http://schemas.microsoft.com/office/drawing/2014/main" id="{8C8DD371-6001-D8BE-EB39-ED3169C120EC}"/>
-              </a:ext>
-            </a:extLst>
-          </p:cNvPr>
-          <p:cNvCxnSpPr>
-            <a:cxnSpLocks/>
-          </p:cNvCxnSpPr>
+          <p:cNvPr id="17" name="Straight Connector 16"/>
+          <p:cNvCxnSpPr/>
           <p:nvPr/>
         </p:nvCxnSpPr>
         <p:spPr>
@@ -3120,13 +3045,7 @@
       </p:cxnSp>
       <p:sp>
         <p:nvSpPr>
-          <p:cNvPr id="18" name="Oval 17">
-            <a:extLst>
-              <a:ext uri="{FF2B5EF4-FFF2-40B4-BE49-F238E27FC236}">
-                <a16:creationId xmlns:a16="http://schemas.microsoft.com/office/drawing/2014/main" id="{9C68D0D5-4DCA-067E-7731-64845115DD13}"/>
-              </a:ext>
-            </a:extLst>
-          </p:cNvPr>
+          <p:cNvPr id="18" name="Oval 17"/>
           <p:cNvSpPr/>
           <p:nvPr/>
         </p:nvSpPr>
@@ -3174,13 +3093,7 @@
       </p:sp>
       <p:sp>
         <p:nvSpPr>
-          <p:cNvPr id="23" name="Oval 22">
-            <a:extLst>
-              <a:ext uri="{FF2B5EF4-FFF2-40B4-BE49-F238E27FC236}">
-                <a16:creationId xmlns:a16="http://schemas.microsoft.com/office/drawing/2014/main" id="{B75F424F-1A6D-4854-AFDF-71B5A231D2F8}"/>
-              </a:ext>
-            </a:extLst>
-          </p:cNvPr>
+          <p:cNvPr id="23" name="Oval 22"/>
           <p:cNvSpPr/>
           <p:nvPr/>
         </p:nvSpPr>
@@ -3236,18 +3149,13 @@
               <a:rPr lang="en-US" sz="1000" dirty="0"/>
               <a:t>Wallpaper</a:t>
             </a:r>
-          </a:p>
-        </p:txBody>
-      </p:sp>
-      <p:sp>
-        <p:nvSpPr>
-          <p:cNvPr id="24" name="Oval 23">
-            <a:extLst>
-              <a:ext uri="{FF2B5EF4-FFF2-40B4-BE49-F238E27FC236}">
-                <a16:creationId xmlns:a16="http://schemas.microsoft.com/office/drawing/2014/main" id="{AC688B62-917D-8A48-3CE7-EFB5E8586597}"/>
-              </a:ext>
-            </a:extLst>
-          </p:cNvPr>
+            <a:endParaRPr lang="en-US" sz="1000" dirty="0"/>
+          </a:p>
+        </p:txBody>
+      </p:sp>
+      <p:sp>
+        <p:nvSpPr>
+          <p:cNvPr id="24" name="Oval 23"/>
           <p:cNvSpPr/>
           <p:nvPr/>
         </p:nvSpPr>
@@ -3305,13 +3213,7 @@
       </p:sp>
       <p:sp>
         <p:nvSpPr>
-          <p:cNvPr id="25" name="Oval 24">
-            <a:extLst>
-              <a:ext uri="{FF2B5EF4-FFF2-40B4-BE49-F238E27FC236}">
-                <a16:creationId xmlns:a16="http://schemas.microsoft.com/office/drawing/2014/main" id="{6CD37ADD-5F15-4B8F-E757-5113EAF0C5FD}"/>
-              </a:ext>
-            </a:extLst>
-          </p:cNvPr>
+          <p:cNvPr id="25" name="Oval 24"/>
           <p:cNvSpPr/>
           <p:nvPr/>
         </p:nvSpPr>
@@ -3363,20 +3265,14 @@
               <a:rPr lang="en-US" sz="1000" dirty="0"/>
               <a:t>Public</a:t>
             </a:r>
+            <a:endParaRPr lang="en-US" sz="1000" dirty="0"/>
           </a:p>
         </p:txBody>
       </p:sp>
       <p:cxnSp>
         <p:nvCxnSpPr>
-          <p:cNvPr id="29" name="Straight Connector 28">
-            <a:extLst>
-              <a:ext uri="{FF2B5EF4-FFF2-40B4-BE49-F238E27FC236}">
-                <a16:creationId xmlns:a16="http://schemas.microsoft.com/office/drawing/2014/main" id="{DBC70122-E349-8BFC-F6A7-2A363E1A875B}"/>
-              </a:ext>
-            </a:extLst>
-          </p:cNvPr>
+          <p:cNvPr id="29" name="Straight Connector 28"/>
           <p:cNvCxnSpPr>
-            <a:cxnSpLocks/>
             <a:endCxn id="23" idx="2"/>
           </p:cNvCxnSpPr>
           <p:nvPr/>
@@ -3407,13 +3303,7 @@
       </p:cxnSp>
       <p:cxnSp>
         <p:nvCxnSpPr>
-          <p:cNvPr id="32" name="Connector: Curved 31">
-            <a:extLst>
-              <a:ext uri="{FF2B5EF4-FFF2-40B4-BE49-F238E27FC236}">
-                <a16:creationId xmlns:a16="http://schemas.microsoft.com/office/drawing/2014/main" id="{36D2BFE9-27EA-4D2D-EE80-703DD45C2FCF}"/>
-              </a:ext>
-            </a:extLst>
-          </p:cNvPr>
+          <p:cNvPr id="32" name="Connector: Curved 31"/>
           <p:cNvCxnSpPr>
             <a:stCxn id="23" idx="6"/>
             <a:endCxn id="25" idx="2"/>
@@ -3451,13 +3341,7 @@
       </p:cxnSp>
       <p:cxnSp>
         <p:nvCxnSpPr>
-          <p:cNvPr id="35" name="Connector: Curved 34">
-            <a:extLst>
-              <a:ext uri="{FF2B5EF4-FFF2-40B4-BE49-F238E27FC236}">
-                <a16:creationId xmlns:a16="http://schemas.microsoft.com/office/drawing/2014/main" id="{5BE79FC6-C6FF-9EBA-F951-075521D15F10}"/>
-              </a:ext>
-            </a:extLst>
-          </p:cNvPr>
+          <p:cNvPr id="35" name="Connector: Curved 34"/>
           <p:cNvCxnSpPr>
             <a:stCxn id="23" idx="6"/>
             <a:endCxn id="24" idx="2"/>
@@ -3495,13 +3379,7 @@
       </p:cxnSp>
       <p:sp>
         <p:nvSpPr>
-          <p:cNvPr id="39" name="Oval 38">
-            <a:extLst>
-              <a:ext uri="{FF2B5EF4-FFF2-40B4-BE49-F238E27FC236}">
-                <a16:creationId xmlns:a16="http://schemas.microsoft.com/office/drawing/2014/main" id="{A0E7FE23-7FF6-4E76-2E40-D9FAF86EBB6A}"/>
-              </a:ext>
-            </a:extLst>
-          </p:cNvPr>
+          <p:cNvPr id="39" name="Oval 38"/>
           <p:cNvSpPr/>
           <p:nvPr/>
         </p:nvSpPr>
@@ -3559,13 +3437,7 @@
       </p:sp>
       <p:cxnSp>
         <p:nvCxnSpPr>
-          <p:cNvPr id="43" name="Connector: Elbow 42">
-            <a:extLst>
-              <a:ext uri="{FF2B5EF4-FFF2-40B4-BE49-F238E27FC236}">
-                <a16:creationId xmlns:a16="http://schemas.microsoft.com/office/drawing/2014/main" id="{67691FD6-88E7-D428-A9FA-9832DF0DDB04}"/>
-              </a:ext>
-            </a:extLst>
-          </p:cNvPr>
+          <p:cNvPr id="43" name="Connector: Elbow 42"/>
           <p:cNvCxnSpPr>
             <a:endCxn id="39" idx="2"/>
           </p:cNvCxnSpPr>
@@ -3597,13 +3469,7 @@
       </p:cxnSp>
       <p:sp>
         <p:nvSpPr>
-          <p:cNvPr id="44" name="Oval 43">
-            <a:extLst>
-              <a:ext uri="{FF2B5EF4-FFF2-40B4-BE49-F238E27FC236}">
-                <a16:creationId xmlns:a16="http://schemas.microsoft.com/office/drawing/2014/main" id="{F74CBFE6-7672-82C8-FC5A-611D24F047B4}"/>
-              </a:ext>
-            </a:extLst>
-          </p:cNvPr>
+          <p:cNvPr id="44" name="Oval 43"/>
           <p:cNvSpPr/>
           <p:nvPr/>
         </p:nvSpPr>
@@ -3669,13 +3535,7 @@
       </p:sp>
       <p:cxnSp>
         <p:nvCxnSpPr>
-          <p:cNvPr id="46" name="Straight Arrow Connector 45">
-            <a:extLst>
-              <a:ext uri="{FF2B5EF4-FFF2-40B4-BE49-F238E27FC236}">
-                <a16:creationId xmlns:a16="http://schemas.microsoft.com/office/drawing/2014/main" id="{FB61DE8E-7B6E-5539-3E46-6AEF8B5BC026}"/>
-              </a:ext>
-            </a:extLst>
-          </p:cNvPr>
+          <p:cNvPr id="46" name="Straight Arrow Connector 45"/>
           <p:cNvCxnSpPr>
             <a:stCxn id="39" idx="6"/>
             <a:endCxn id="44" idx="2"/>
@@ -3711,13 +3571,7 @@
       </p:cxnSp>
       <p:sp>
         <p:nvSpPr>
-          <p:cNvPr id="47" name="TextBox 46">
-            <a:extLst>
-              <a:ext uri="{FF2B5EF4-FFF2-40B4-BE49-F238E27FC236}">
-                <a16:creationId xmlns:a16="http://schemas.microsoft.com/office/drawing/2014/main" id="{D5EEAC4A-6C7A-0BDB-90CB-8E4C89BAC96B}"/>
-              </a:ext>
-            </a:extLst>
-          </p:cNvPr>
+          <p:cNvPr id="47" name="TextBox 46"/>
           <p:cNvSpPr txBox="1"/>
           <p:nvPr/>
         </p:nvSpPr>
@@ -3741,18 +3595,13 @@
               <a:rPr lang="en-US" sz="1200" dirty="0"/>
               <a:t>&lt;&lt;extend&gt;&gt;</a:t>
             </a:r>
-          </a:p>
-        </p:txBody>
-      </p:sp>
-      <p:sp>
-        <p:nvSpPr>
-          <p:cNvPr id="48" name="TextBox 47">
-            <a:extLst>
-              <a:ext uri="{FF2B5EF4-FFF2-40B4-BE49-F238E27FC236}">
-                <a16:creationId xmlns:a16="http://schemas.microsoft.com/office/drawing/2014/main" id="{ED03CE6A-9BDA-3A7E-55D3-0E17B55F7FCF}"/>
-              </a:ext>
-            </a:extLst>
-          </p:cNvPr>
+            <a:endParaRPr lang="en-US" sz="1200" dirty="0"/>
+          </a:p>
+        </p:txBody>
+      </p:sp>
+      <p:sp>
+        <p:nvSpPr>
+          <p:cNvPr id="48" name="TextBox 47"/>
           <p:cNvSpPr txBox="1"/>
           <p:nvPr/>
         </p:nvSpPr>
@@ -3776,18 +3625,13 @@
               <a:rPr lang="en-US" sz="1000" dirty="0"/>
               <a:t>&lt;&lt;include&gt;&gt;</a:t>
             </a:r>
-          </a:p>
-        </p:txBody>
-      </p:sp>
-      <p:sp>
-        <p:nvSpPr>
-          <p:cNvPr id="49" name="TextBox 48">
-            <a:extLst>
-              <a:ext uri="{FF2B5EF4-FFF2-40B4-BE49-F238E27FC236}">
-                <a16:creationId xmlns:a16="http://schemas.microsoft.com/office/drawing/2014/main" id="{504D2B18-C0A2-15B8-986A-22B5D38CA9DE}"/>
-              </a:ext>
-            </a:extLst>
-          </p:cNvPr>
+            <a:endParaRPr lang="en-US" sz="1000" dirty="0"/>
+          </a:p>
+        </p:txBody>
+      </p:sp>
+      <p:sp>
+        <p:nvSpPr>
+          <p:cNvPr id="49" name="TextBox 48"/>
           <p:cNvSpPr txBox="1"/>
           <p:nvPr/>
         </p:nvSpPr>
@@ -3811,18 +3655,13 @@
               <a:rPr lang="en-US" sz="1000" dirty="0"/>
               <a:t>&lt;&lt;include&gt;&gt;</a:t>
             </a:r>
-          </a:p>
-        </p:txBody>
-      </p:sp>
-      <p:sp>
-        <p:nvSpPr>
-          <p:cNvPr id="50" name="Oval 49">
-            <a:extLst>
-              <a:ext uri="{FF2B5EF4-FFF2-40B4-BE49-F238E27FC236}">
-                <a16:creationId xmlns:a16="http://schemas.microsoft.com/office/drawing/2014/main" id="{60E2A2FC-4179-EEAA-2F1B-77B0941D5ABF}"/>
-              </a:ext>
-            </a:extLst>
-          </p:cNvPr>
+            <a:endParaRPr lang="en-US" sz="1000" dirty="0"/>
+          </a:p>
+        </p:txBody>
+      </p:sp>
+      <p:sp>
+        <p:nvSpPr>
+          <p:cNvPr id="50" name="Oval 49"/>
           <p:cNvSpPr/>
           <p:nvPr/>
         </p:nvSpPr>
@@ -3874,18 +3713,13 @@
               <a:rPr lang="en-US" sz="1000" dirty="0"/>
               <a:t>Subscription</a:t>
             </a:r>
-          </a:p>
-        </p:txBody>
-      </p:sp>
-      <p:sp>
-        <p:nvSpPr>
-          <p:cNvPr id="53" name="Oval 52">
-            <a:extLst>
-              <a:ext uri="{FF2B5EF4-FFF2-40B4-BE49-F238E27FC236}">
-                <a16:creationId xmlns:a16="http://schemas.microsoft.com/office/drawing/2014/main" id="{223AD51F-52DE-F58C-877D-45D24283EC09}"/>
-              </a:ext>
-            </a:extLst>
-          </p:cNvPr>
+            <a:endParaRPr lang="en-US" sz="1000" dirty="0"/>
+          </a:p>
+        </p:txBody>
+      </p:sp>
+      <p:sp>
+        <p:nvSpPr>
+          <p:cNvPr id="53" name="Oval 52"/>
           <p:cNvSpPr/>
           <p:nvPr/>
         </p:nvSpPr>
@@ -4005,13 +3839,7 @@
       </p:sp>
       <p:cxnSp>
         <p:nvCxnSpPr>
-          <p:cNvPr id="55" name="Connector: Elbow 54">
-            <a:extLst>
-              <a:ext uri="{FF2B5EF4-FFF2-40B4-BE49-F238E27FC236}">
-                <a16:creationId xmlns:a16="http://schemas.microsoft.com/office/drawing/2014/main" id="{9222A307-5C0C-2833-5685-A8C066C38917}"/>
-              </a:ext>
-            </a:extLst>
-          </p:cNvPr>
+          <p:cNvPr id="55" name="Connector: Elbow 54"/>
           <p:cNvCxnSpPr>
             <a:endCxn id="50" idx="2"/>
           </p:cNvCxnSpPr>
@@ -4043,13 +3871,7 @@
       </p:cxnSp>
       <p:cxnSp>
         <p:nvCxnSpPr>
-          <p:cNvPr id="57" name="Straight Arrow Connector 56">
-            <a:extLst>
-              <a:ext uri="{FF2B5EF4-FFF2-40B4-BE49-F238E27FC236}">
-                <a16:creationId xmlns:a16="http://schemas.microsoft.com/office/drawing/2014/main" id="{ACEE5E12-A9B5-D810-C844-52AE45D9612E}"/>
-              </a:ext>
-            </a:extLst>
-          </p:cNvPr>
+          <p:cNvPr id="57" name="Straight Arrow Connector 56"/>
           <p:cNvCxnSpPr>
             <a:stCxn id="50" idx="6"/>
             <a:endCxn id="53" idx="2"/>
@@ -4085,13 +3907,7 @@
       </p:cxnSp>
       <p:sp>
         <p:nvSpPr>
-          <p:cNvPr id="58" name="TextBox 57">
-            <a:extLst>
-              <a:ext uri="{FF2B5EF4-FFF2-40B4-BE49-F238E27FC236}">
-                <a16:creationId xmlns:a16="http://schemas.microsoft.com/office/drawing/2014/main" id="{35862803-D763-D61B-C63F-10A97094E5D2}"/>
-              </a:ext>
-            </a:extLst>
-          </p:cNvPr>
+          <p:cNvPr id="58" name="TextBox 57"/>
           <p:cNvSpPr txBox="1"/>
           <p:nvPr/>
         </p:nvSpPr>
@@ -4115,21 +3931,14 @@
               <a:rPr lang="en-US" sz="1200" dirty="0"/>
               <a:t>&lt;&lt;extend&gt;&gt;</a:t>
             </a:r>
+            <a:endParaRPr lang="en-US" sz="1200" dirty="0"/>
           </a:p>
         </p:txBody>
       </p:sp>
       <p:cxnSp>
         <p:nvCxnSpPr>
-          <p:cNvPr id="59" name="Straight Connector 58">
-            <a:extLst>
-              <a:ext uri="{FF2B5EF4-FFF2-40B4-BE49-F238E27FC236}">
-                <a16:creationId xmlns:a16="http://schemas.microsoft.com/office/drawing/2014/main" id="{FF4B4E40-D918-6746-5942-575F3EF9CF97}"/>
-              </a:ext>
-            </a:extLst>
-          </p:cNvPr>
-          <p:cNvCxnSpPr>
-            <a:cxnSpLocks/>
-          </p:cNvCxnSpPr>
+          <p:cNvPr id="59" name="Straight Connector 58"/>
+          <p:cNvCxnSpPr/>
           <p:nvPr/>
         </p:nvCxnSpPr>
         <p:spPr>
@@ -4158,16 +3967,8 @@
       </p:cxnSp>
       <p:cxnSp>
         <p:nvCxnSpPr>
-          <p:cNvPr id="60" name="Straight Connector 59">
-            <a:extLst>
-              <a:ext uri="{FF2B5EF4-FFF2-40B4-BE49-F238E27FC236}">
-                <a16:creationId xmlns:a16="http://schemas.microsoft.com/office/drawing/2014/main" id="{A618A042-ACBC-8F96-46C6-2BAD19E6E7A7}"/>
-              </a:ext>
-            </a:extLst>
-          </p:cNvPr>
-          <p:cNvCxnSpPr>
-            <a:cxnSpLocks/>
-          </p:cNvCxnSpPr>
+          <p:cNvPr id="60" name="Straight Connector 59"/>
+          <p:cNvCxnSpPr/>
           <p:nvPr/>
         </p:nvCxnSpPr>
         <p:spPr>
@@ -4196,16 +3997,8 @@
       </p:cxnSp>
       <p:cxnSp>
         <p:nvCxnSpPr>
-          <p:cNvPr id="61" name="Straight Connector 60">
-            <a:extLst>
-              <a:ext uri="{FF2B5EF4-FFF2-40B4-BE49-F238E27FC236}">
-                <a16:creationId xmlns:a16="http://schemas.microsoft.com/office/drawing/2014/main" id="{D04AC8A4-29E1-513D-7C3C-56F59FB8C231}"/>
-              </a:ext>
-            </a:extLst>
-          </p:cNvPr>
-          <p:cNvCxnSpPr>
-            <a:cxnSpLocks/>
-          </p:cNvCxnSpPr>
+          <p:cNvPr id="61" name="Straight Connector 60"/>
+          <p:cNvCxnSpPr/>
           <p:nvPr/>
         </p:nvCxnSpPr>
         <p:spPr>
@@ -4234,16 +4027,8 @@
       </p:cxnSp>
       <p:cxnSp>
         <p:nvCxnSpPr>
-          <p:cNvPr id="62" name="Straight Connector 61">
-            <a:extLst>
-              <a:ext uri="{FF2B5EF4-FFF2-40B4-BE49-F238E27FC236}">
-                <a16:creationId xmlns:a16="http://schemas.microsoft.com/office/drawing/2014/main" id="{31CC9770-6A66-6E08-439A-8492A1F628C6}"/>
-              </a:ext>
-            </a:extLst>
-          </p:cNvPr>
-          <p:cNvCxnSpPr>
-            <a:cxnSpLocks/>
-          </p:cNvCxnSpPr>
+          <p:cNvPr id="62" name="Straight Connector 61"/>
+          <p:cNvCxnSpPr/>
           <p:nvPr/>
         </p:nvCxnSpPr>
         <p:spPr>
@@ -4272,13 +4057,7 @@
       </p:cxnSp>
       <p:sp>
         <p:nvSpPr>
-          <p:cNvPr id="63" name="Oval 62">
-            <a:extLst>
-              <a:ext uri="{FF2B5EF4-FFF2-40B4-BE49-F238E27FC236}">
-                <a16:creationId xmlns:a16="http://schemas.microsoft.com/office/drawing/2014/main" id="{84483174-53EB-BC67-0B4C-331A84D0D1A1}"/>
-              </a:ext>
-            </a:extLst>
-          </p:cNvPr>
+          <p:cNvPr id="63" name="Oval 62"/>
           <p:cNvSpPr/>
           <p:nvPr/>
         </p:nvSpPr>
@@ -4326,13 +4105,7 @@
       </p:sp>
       <p:sp>
         <p:nvSpPr>
-          <p:cNvPr id="64" name="TextBox 63">
-            <a:extLst>
-              <a:ext uri="{FF2B5EF4-FFF2-40B4-BE49-F238E27FC236}">
-                <a16:creationId xmlns:a16="http://schemas.microsoft.com/office/drawing/2014/main" id="{F29BB2C5-87A0-3039-479C-A2B477631F50}"/>
-              </a:ext>
-            </a:extLst>
-          </p:cNvPr>
+          <p:cNvPr id="64" name="TextBox 63"/>
           <p:cNvSpPr txBox="1"/>
           <p:nvPr/>
         </p:nvSpPr>
@@ -4362,13 +4135,7 @@
       </p:sp>
       <p:cxnSp>
         <p:nvCxnSpPr>
-          <p:cNvPr id="66" name="Connector: Elbow 65">
-            <a:extLst>
-              <a:ext uri="{FF2B5EF4-FFF2-40B4-BE49-F238E27FC236}">
-                <a16:creationId xmlns:a16="http://schemas.microsoft.com/office/drawing/2014/main" id="{0B41AC44-E271-D7EB-35E1-DA17EECC5A45}"/>
-              </a:ext>
-            </a:extLst>
-          </p:cNvPr>
+          <p:cNvPr id="66" name="Connector: Elbow 65"/>
           <p:cNvCxnSpPr/>
           <p:nvPr/>
         </p:nvCxnSpPr>
@@ -4400,13 +4167,7 @@
       </p:cxnSp>
       <p:sp>
         <p:nvSpPr>
-          <p:cNvPr id="68" name="Oval 67">
-            <a:extLst>
-              <a:ext uri="{FF2B5EF4-FFF2-40B4-BE49-F238E27FC236}">
-                <a16:creationId xmlns:a16="http://schemas.microsoft.com/office/drawing/2014/main" id="{E802462B-F1A9-3D7A-99CE-61E6675FA394}"/>
-              </a:ext>
-            </a:extLst>
-          </p:cNvPr>
+          <p:cNvPr id="68" name="Oval 67"/>
           <p:cNvSpPr/>
           <p:nvPr/>
         </p:nvSpPr>
@@ -4458,18 +4219,13 @@
               <a:rPr lang="en-US" sz="1000" dirty="0"/>
               <a:t>Recommendation algorithm</a:t>
             </a:r>
-          </a:p>
-        </p:txBody>
-      </p:sp>
-      <p:sp>
-        <p:nvSpPr>
-          <p:cNvPr id="69" name="Oval 68">
-            <a:extLst>
-              <a:ext uri="{FF2B5EF4-FFF2-40B4-BE49-F238E27FC236}">
-                <a16:creationId xmlns:a16="http://schemas.microsoft.com/office/drawing/2014/main" id="{63CE7CA7-212D-259A-4521-CBFEAB5BE47F}"/>
-              </a:ext>
-            </a:extLst>
-          </p:cNvPr>
+            <a:endParaRPr lang="en-US" sz="1000" dirty="0"/>
+          </a:p>
+        </p:txBody>
+      </p:sp>
+      <p:sp>
+        <p:nvSpPr>
+          <p:cNvPr id="69" name="Oval 68"/>
           <p:cNvSpPr/>
           <p:nvPr/>
         </p:nvSpPr>
@@ -4521,18 +4277,13 @@
               <a:rPr lang="en-US" sz="1000" dirty="0"/>
               <a:t>Live chat </a:t>
             </a:r>
+            <a:endParaRPr lang="en-US" sz="1000" dirty="0"/>
           </a:p>
         </p:txBody>
       </p:sp>
       <p:cxnSp>
         <p:nvCxnSpPr>
-          <p:cNvPr id="71" name="Straight Arrow Connector 70">
-            <a:extLst>
-              <a:ext uri="{FF2B5EF4-FFF2-40B4-BE49-F238E27FC236}">
-                <a16:creationId xmlns:a16="http://schemas.microsoft.com/office/drawing/2014/main" id="{91B4124A-671B-706E-E386-2CE1DCCFA38E}"/>
-              </a:ext>
-            </a:extLst>
-          </p:cNvPr>
+          <p:cNvPr id="71" name="Straight Arrow Connector 70"/>
           <p:cNvCxnSpPr>
             <a:stCxn id="68" idx="6"/>
             <a:endCxn id="69" idx="2"/>
@@ -4568,13 +4319,7 @@
       </p:cxnSp>
       <p:sp>
         <p:nvSpPr>
-          <p:cNvPr id="73" name="TextBox 72">
-            <a:extLst>
-              <a:ext uri="{FF2B5EF4-FFF2-40B4-BE49-F238E27FC236}">
-                <a16:creationId xmlns:a16="http://schemas.microsoft.com/office/drawing/2014/main" id="{B82AE8FC-6579-C190-0653-E1CF90C42F3E}"/>
-              </a:ext>
-            </a:extLst>
-          </p:cNvPr>
+          <p:cNvPr id="73" name="TextBox 72"/>
           <p:cNvSpPr txBox="1"/>
           <p:nvPr/>
         </p:nvSpPr>
@@ -4598,18 +4343,13 @@
               <a:rPr lang="en-US" sz="1200" dirty="0"/>
               <a:t>&lt;&lt;extend&gt;&gt;</a:t>
             </a:r>
+            <a:endParaRPr lang="en-US" sz="1200" dirty="0"/>
           </a:p>
         </p:txBody>
       </p:sp>
       <p:cxnSp>
         <p:nvCxnSpPr>
-          <p:cNvPr id="75" name="Straight Connector 74">
-            <a:extLst>
-              <a:ext uri="{FF2B5EF4-FFF2-40B4-BE49-F238E27FC236}">
-                <a16:creationId xmlns:a16="http://schemas.microsoft.com/office/drawing/2014/main" id="{9402E7D0-8F2E-AD62-E24C-66B245A77F6C}"/>
-              </a:ext>
-            </a:extLst>
-          </p:cNvPr>
+          <p:cNvPr id="75" name="Straight Connector 74"/>
           <p:cNvCxnSpPr>
             <a:stCxn id="69" idx="4"/>
           </p:cNvCxnSpPr>
@@ -4641,13 +4381,7 @@
       </p:cxnSp>
       <p:sp>
         <p:nvSpPr>
-          <p:cNvPr id="76" name="TextBox 75">
-            <a:extLst>
-              <a:ext uri="{FF2B5EF4-FFF2-40B4-BE49-F238E27FC236}">
-                <a16:creationId xmlns:a16="http://schemas.microsoft.com/office/drawing/2014/main" id="{78FF5A7C-55C9-20A3-093B-F524B9C08706}"/>
-              </a:ext>
-            </a:extLst>
-          </p:cNvPr>
+          <p:cNvPr id="76" name="TextBox 75"/>
           <p:cNvSpPr txBox="1"/>
           <p:nvPr/>
         </p:nvSpPr>
@@ -4676,38 +4410,146 @@
           </a:p>
         </p:txBody>
       </p:sp>
-      <p:sp>
-        <p:nvSpPr>
-          <p:cNvPr id="77" name="Oval 76">
-            <a:extLst>
-              <a:ext uri="{FF2B5EF4-FFF2-40B4-BE49-F238E27FC236}">
-                <a16:creationId xmlns:a16="http://schemas.microsoft.com/office/drawing/2014/main" id="{BB779381-B17C-DA7C-FB08-F9E49969ED8D}"/>
-              </a:ext>
-            </a:extLst>
-          </p:cNvPr>
+      <p:cxnSp>
+        <p:nvCxnSpPr>
+          <p:cNvPr id="84" name="Straight Connector 83"/>
+          <p:cNvCxnSpPr/>
+          <p:nvPr/>
+        </p:nvCxnSpPr>
+        <p:spPr>
+          <a:xfrm flipV="1">
+            <a:off x="13362674" y="5415919"/>
+            <a:ext cx="215660" cy="388188"/>
+          </a:xfrm>
+          <a:prstGeom prst="line">
+            <a:avLst/>
+          </a:prstGeom>
+        </p:spPr>
+        <p:style>
+          <a:lnRef idx="1">
+            <a:schemeClr val="dk1"/>
+          </a:lnRef>
+          <a:fillRef idx="0">
+            <a:schemeClr val="dk1"/>
+          </a:fillRef>
+          <a:effectRef idx="0">
+            <a:schemeClr val="dk1"/>
+          </a:effectRef>
+          <a:fontRef idx="minor">
+            <a:schemeClr val="tx1"/>
+          </a:fontRef>
+        </p:style>
+      </p:cxnSp>
+      <p:cxnSp>
+        <p:nvCxnSpPr>
+          <p:cNvPr id="85" name="Straight Connector 84"/>
+          <p:cNvCxnSpPr/>
+          <p:nvPr/>
+        </p:nvCxnSpPr>
+        <p:spPr>
+          <a:xfrm>
+            <a:off x="13578335" y="5415920"/>
+            <a:ext cx="230039" cy="388189"/>
+          </a:xfrm>
+          <a:prstGeom prst="line">
+            <a:avLst/>
+          </a:prstGeom>
+        </p:spPr>
+        <p:style>
+          <a:lnRef idx="1">
+            <a:schemeClr val="dk1"/>
+          </a:lnRef>
+          <a:fillRef idx="0">
+            <a:schemeClr val="dk1"/>
+          </a:fillRef>
+          <a:effectRef idx="0">
+            <a:schemeClr val="dk1"/>
+          </a:effectRef>
+          <a:fontRef idx="minor">
+            <a:schemeClr val="tx1"/>
+          </a:fontRef>
+        </p:style>
+      </p:cxnSp>
+      <p:cxnSp>
+        <p:nvCxnSpPr>
+          <p:cNvPr id="86" name="Straight Connector 85"/>
+          <p:cNvCxnSpPr/>
+          <p:nvPr/>
+        </p:nvCxnSpPr>
+        <p:spPr>
+          <a:xfrm flipV="1">
+            <a:off x="13578334" y="4915587"/>
+            <a:ext cx="0" cy="500332"/>
+          </a:xfrm>
+          <a:prstGeom prst="line">
+            <a:avLst/>
+          </a:prstGeom>
+        </p:spPr>
+        <p:style>
+          <a:lnRef idx="1">
+            <a:schemeClr val="dk1"/>
+          </a:lnRef>
+          <a:fillRef idx="0">
+            <a:schemeClr val="dk1"/>
+          </a:fillRef>
+          <a:effectRef idx="0">
+            <a:schemeClr val="dk1"/>
+          </a:effectRef>
+          <a:fontRef idx="minor">
+            <a:schemeClr val="tx1"/>
+          </a:fontRef>
+        </p:style>
+      </p:cxnSp>
+      <p:cxnSp>
+        <p:nvCxnSpPr>
+          <p:cNvPr id="87" name="Straight Connector 86"/>
+          <p:cNvCxnSpPr/>
+          <p:nvPr/>
+        </p:nvCxnSpPr>
+        <p:spPr>
+          <a:xfrm>
+            <a:off x="13285037" y="5109681"/>
+            <a:ext cx="595223" cy="0"/>
+          </a:xfrm>
+          <a:prstGeom prst="line">
+            <a:avLst/>
+          </a:prstGeom>
+        </p:spPr>
+        <p:style>
+          <a:lnRef idx="1">
+            <a:schemeClr val="dk1"/>
+          </a:lnRef>
+          <a:fillRef idx="0">
+            <a:schemeClr val="dk1"/>
+          </a:fillRef>
+          <a:effectRef idx="0">
+            <a:schemeClr val="dk1"/>
+          </a:effectRef>
+          <a:fontRef idx="minor">
+            <a:schemeClr val="tx1"/>
+          </a:fontRef>
+        </p:style>
+      </p:cxnSp>
+      <p:sp>
+        <p:nvSpPr>
+          <p:cNvPr id="88" name="Oval 87"/>
           <p:cNvSpPr/>
           <p:nvPr/>
         </p:nvSpPr>
         <p:spPr>
           <a:xfrm>
-            <a:off x="9505950" y="5165536"/>
-            <a:ext cx="1260888" cy="680400"/>
+            <a:off x="13362675" y="4548962"/>
+            <a:ext cx="445699" cy="396812"/>
           </a:xfrm>
           <a:prstGeom prst="ellipse">
             <a:avLst/>
           </a:prstGeom>
           <a:solidFill>
-            <a:schemeClr val="accent1">
-              <a:lumMod val="40000"/>
-              <a:lumOff val="60000"/>
-            </a:schemeClr>
+            <a:schemeClr val="bg1"/>
           </a:solidFill>
           <a:ln>
             <a:solidFill>
-              <a:schemeClr val="accent1">
-                <a:lumMod val="40000"/>
-                <a:lumOff val="60000"/>
-              </a:schemeClr>
+              <a:schemeClr val="tx1"/>
             </a:solidFill>
           </a:ln>
         </p:spPr>
@@ -4732,35 +4574,54 @@
           <a:lstStyle/>
           <a:p>
             <a:pPr algn="ctr"/>
-            <a:r>
-              <a:rPr lang="en-US" sz="1000" dirty="0"/>
-              <a:t>Upload Gallery </a:t>
-            </a:r>
+            <a:endParaRPr lang="en-US" dirty="0"/>
+          </a:p>
+        </p:txBody>
+      </p:sp>
+      <p:sp>
+        <p:nvSpPr>
+          <p:cNvPr id="89" name="TextBox 88"/>
+          <p:cNvSpPr txBox="1"/>
+          <p:nvPr/>
+        </p:nvSpPr>
+        <p:spPr>
+          <a:xfrm>
+            <a:off x="13130119" y="5801480"/>
+            <a:ext cx="1500281" cy="307777"/>
+          </a:xfrm>
+          <a:prstGeom prst="rect">
+            <a:avLst/>
+          </a:prstGeom>
+          <a:noFill/>
+        </p:spPr>
+        <p:txBody>
+          <a:bodyPr wrap="square" rtlCol="0">
+            <a:spAutoFit/>
+          </a:bodyPr>
+          <a:lstStyle/>
+          <a:p>
+            <a:r>
+              <a:rPr lang="en-US" sz="1400" dirty="0"/>
+              <a:t>Moderator</a:t>
+            </a:r>
+            <a:endParaRPr lang="en-US" sz="1400" dirty="0"/>
           </a:p>
         </p:txBody>
       </p:sp>
       <p:cxnSp>
         <p:nvCxnSpPr>
-          <p:cNvPr id="79" name="Connector: Elbow 78">
-            <a:extLst>
-              <a:ext uri="{FF2B5EF4-FFF2-40B4-BE49-F238E27FC236}">
-                <a16:creationId xmlns:a16="http://schemas.microsoft.com/office/drawing/2014/main" id="{3D631632-FC51-9CC7-6801-BCD311936A71}"/>
-              </a:ext>
-            </a:extLst>
-          </p:cNvPr>
-          <p:cNvCxnSpPr>
-            <a:cxnSpLocks/>
-          </p:cNvCxnSpPr>
+          <p:cNvPr id="94" name="Connector: Elbow 93"/>
+          <p:cNvCxnSpPr/>
           <p:nvPr/>
         </p:nvCxnSpPr>
         <p:spPr>
-          <a:xfrm>
-            <a:off x="3691738" y="3426378"/>
-            <a:ext cx="4606503" cy="1578317"/>
+          <a:xfrm rot="10800000">
+            <a:off x="9276263" y="5064339"/>
+            <a:ext cx="4008774" cy="182014"/>
           </a:xfrm>
           <a:prstGeom prst="bentConnector3">
             <a:avLst>
-              <a:gd name="adj1" fmla="val 8852"/>
+              <a:gd name="adj1" fmla="val 50000"/>
             </a:avLst>
           </a:prstGeom>
         </p:spPr>
@@ -4781,23 +4642,16 @@
       </p:cxnSp>
       <p:cxnSp>
         <p:nvCxnSpPr>
-          <p:cNvPr id="82" name="Connector: Elbow 81">
-            <a:extLst>
-              <a:ext uri="{FF2B5EF4-FFF2-40B4-BE49-F238E27FC236}">
-                <a16:creationId xmlns:a16="http://schemas.microsoft.com/office/drawing/2014/main" id="{21261F46-9078-52F9-9F45-DDAF5C868585}"/>
-              </a:ext>
-            </a:extLst>
-          </p:cNvPr>
+          <p:cNvPr id="99" name="Connector: Elbow 98"/>
           <p:cNvCxnSpPr>
-            <a:cxnSpLocks/>
-            <a:endCxn id="77" idx="2"/>
+            <a:endCxn id="68" idx="4"/>
           </p:cNvCxnSpPr>
           <p:nvPr/>
         </p:nvCxnSpPr>
         <p:spPr>
-          <a:xfrm>
-            <a:off x="8217728" y="5004696"/>
-            <a:ext cx="1288223" cy="501041"/>
+          <a:xfrm rot="16200000" flipV="1">
+            <a:off x="7247552" y="3035627"/>
+            <a:ext cx="2809835" cy="1247591"/>
           </a:xfrm>
           <a:prstGeom prst="bentConnector3">
             <a:avLst/>
@@ -4820,24 +4674,18 @@
       </p:cxnSp>
       <p:cxnSp>
         <p:nvCxnSpPr>
-          <p:cNvPr id="84" name="Straight Connector 83">
-            <a:extLst>
-              <a:ext uri="{FF2B5EF4-FFF2-40B4-BE49-F238E27FC236}">
-                <a16:creationId xmlns:a16="http://schemas.microsoft.com/office/drawing/2014/main" id="{806AE95F-6507-3AA7-D540-1077FC4FAE60}"/>
-              </a:ext>
-            </a:extLst>
-          </p:cNvPr>
+          <p:cNvPr id="107" name="Connector: Elbow 106"/>
           <p:cNvCxnSpPr>
-            <a:cxnSpLocks/>
+            <a:endCxn id="50" idx="4"/>
           </p:cNvCxnSpPr>
           <p:nvPr/>
         </p:nvCxnSpPr>
         <p:spPr>
-          <a:xfrm flipV="1">
-            <a:off x="13362674" y="5415919"/>
-            <a:ext cx="215660" cy="388188"/>
-          </a:xfrm>
-          <a:prstGeom prst="line">
+          <a:xfrm rot="10800000">
+            <a:off x="4977790" y="6071069"/>
+            <a:ext cx="8600544" cy="385560"/>
+          </a:xfrm>
+          <a:prstGeom prst="bentConnector2">
             <a:avLst/>
           </a:prstGeom>
         </p:spPr>
@@ -4858,22 +4706,14 @@
       </p:cxnSp>
       <p:cxnSp>
         <p:nvCxnSpPr>
-          <p:cNvPr id="85" name="Straight Connector 84">
-            <a:extLst>
-              <a:ext uri="{FF2B5EF4-FFF2-40B4-BE49-F238E27FC236}">
-                <a16:creationId xmlns:a16="http://schemas.microsoft.com/office/drawing/2014/main" id="{168DD976-5FBF-187C-7DE4-C52C86DE98F0}"/>
-              </a:ext>
-            </a:extLst>
-          </p:cNvPr>
-          <p:cNvCxnSpPr>
-            <a:cxnSpLocks/>
-          </p:cNvCxnSpPr>
+          <p:cNvPr id="112" name="Straight Connector 111"/>
+          <p:cNvCxnSpPr/>
           <p:nvPr/>
         </p:nvCxnSpPr>
         <p:spPr>
-          <a:xfrm>
-            <a:off x="13578335" y="5415920"/>
-            <a:ext cx="230039" cy="388189"/>
+          <a:xfrm flipV="1">
+            <a:off x="13578334" y="6109256"/>
+            <a:ext cx="0" cy="347374"/>
           </a:xfrm>
           <a:prstGeom prst="line">
             <a:avLst/>
@@ -4894,108 +4734,32 @@
           </a:fontRef>
         </p:style>
       </p:cxnSp>
-      <p:cxnSp>
-        <p:nvCxnSpPr>
-          <p:cNvPr id="86" name="Straight Connector 85">
-            <a:extLst>
-              <a:ext uri="{FF2B5EF4-FFF2-40B4-BE49-F238E27FC236}">
-                <a16:creationId xmlns:a16="http://schemas.microsoft.com/office/drawing/2014/main" id="{10CFC4D2-3D78-D801-F3B8-9A87674BB622}"/>
-              </a:ext>
-            </a:extLst>
-          </p:cNvPr>
-          <p:cNvCxnSpPr>
-            <a:cxnSpLocks/>
-          </p:cNvCxnSpPr>
-          <p:nvPr/>
-        </p:nvCxnSpPr>
-        <p:spPr>
-          <a:xfrm flipV="1">
-            <a:off x="13578334" y="4915587"/>
-            <a:ext cx="0" cy="500332"/>
-          </a:xfrm>
-          <a:prstGeom prst="line">
-            <a:avLst/>
-          </a:prstGeom>
-        </p:spPr>
-        <p:style>
-          <a:lnRef idx="1">
-            <a:schemeClr val="dk1"/>
-          </a:lnRef>
-          <a:fillRef idx="0">
-            <a:schemeClr val="dk1"/>
-          </a:fillRef>
-          <a:effectRef idx="0">
-            <a:schemeClr val="dk1"/>
-          </a:effectRef>
-          <a:fontRef idx="minor">
-            <a:schemeClr val="tx1"/>
-          </a:fontRef>
-        </p:style>
-      </p:cxnSp>
-      <p:cxnSp>
-        <p:nvCxnSpPr>
-          <p:cNvPr id="87" name="Straight Connector 86">
-            <a:extLst>
-              <a:ext uri="{FF2B5EF4-FFF2-40B4-BE49-F238E27FC236}">
-                <a16:creationId xmlns:a16="http://schemas.microsoft.com/office/drawing/2014/main" id="{562B8992-0FEE-5949-B3AE-04314A7C5FE5}"/>
-              </a:ext>
-            </a:extLst>
-          </p:cNvPr>
-          <p:cNvCxnSpPr>
-            <a:cxnSpLocks/>
-          </p:cNvCxnSpPr>
-          <p:nvPr/>
-        </p:nvCxnSpPr>
-        <p:spPr>
-          <a:xfrm>
-            <a:off x="13285037" y="5109681"/>
-            <a:ext cx="595223" cy="0"/>
-          </a:xfrm>
-          <a:prstGeom prst="line">
-            <a:avLst/>
-          </a:prstGeom>
-        </p:spPr>
-        <p:style>
-          <a:lnRef idx="1">
-            <a:schemeClr val="dk1"/>
-          </a:lnRef>
-          <a:fillRef idx="0">
-            <a:schemeClr val="dk1"/>
-          </a:fillRef>
-          <a:effectRef idx="0">
-            <a:schemeClr val="dk1"/>
-          </a:effectRef>
-          <a:fontRef idx="minor">
-            <a:schemeClr val="tx1"/>
-          </a:fontRef>
-        </p:style>
-      </p:cxnSp>
-      <p:sp>
-        <p:nvSpPr>
-          <p:cNvPr id="88" name="Oval 87">
-            <a:extLst>
-              <a:ext uri="{FF2B5EF4-FFF2-40B4-BE49-F238E27FC236}">
-                <a16:creationId xmlns:a16="http://schemas.microsoft.com/office/drawing/2014/main" id="{58C6A609-61AF-E951-952B-DA939C6EBDBA}"/>
-              </a:ext>
-            </a:extLst>
-          </p:cNvPr>
+      <p:sp>
+        <p:nvSpPr>
+          <p:cNvPr id="113" name="Oval 112"/>
           <p:cNvSpPr/>
           <p:nvPr/>
         </p:nvSpPr>
         <p:spPr>
           <a:xfrm>
-            <a:off x="13362675" y="4548962"/>
-            <a:ext cx="445699" cy="396812"/>
+            <a:off x="831766" y="3210778"/>
+            <a:ext cx="1095039" cy="574732"/>
           </a:xfrm>
           <a:prstGeom prst="ellipse">
             <a:avLst/>
           </a:prstGeom>
           <a:solidFill>
-            <a:schemeClr val="bg1"/>
+            <a:schemeClr val="accent1">
+              <a:lumMod val="40000"/>
+              <a:lumOff val="60000"/>
+            </a:schemeClr>
           </a:solidFill>
           <a:ln>
             <a:solidFill>
-              <a:schemeClr val="tx1"/>
+              <a:schemeClr val="accent1">
+                <a:lumMod val="40000"/>
+                <a:lumOff val="60000"/>
+              </a:schemeClr>
             </a:solidFill>
           </a:ln>
         </p:spPr>
@@ -5020,252 +4784,24 @@
           <a:lstStyle/>
           <a:p>
             <a:pPr algn="ctr"/>
-            <a:endParaRPr lang="en-US" dirty="0"/>
-          </a:p>
-        </p:txBody>
-      </p:sp>
-      <p:sp>
-        <p:nvSpPr>
-          <p:cNvPr id="89" name="TextBox 88">
-            <a:extLst>
-              <a:ext uri="{FF2B5EF4-FFF2-40B4-BE49-F238E27FC236}">
-                <a16:creationId xmlns:a16="http://schemas.microsoft.com/office/drawing/2014/main" id="{B67909C4-22EC-AD48-CEC9-33C6AE0374DA}"/>
-              </a:ext>
-            </a:extLst>
-          </p:cNvPr>
-          <p:cNvSpPr txBox="1"/>
-          <p:nvPr/>
-        </p:nvSpPr>
-        <p:spPr>
-          <a:xfrm>
-            <a:off x="13130119" y="5801480"/>
-            <a:ext cx="1500281" cy="307777"/>
-          </a:xfrm>
-          <a:prstGeom prst="rect">
-            <a:avLst/>
-          </a:prstGeom>
-          <a:noFill/>
-        </p:spPr>
-        <p:txBody>
-          <a:bodyPr wrap="square" rtlCol="0">
-            <a:spAutoFit/>
-          </a:bodyPr>
-          <a:lstStyle/>
-          <a:p>
-            <a:r>
-              <a:rPr lang="en-US" sz="1400" dirty="0"/>
-              <a:t>Moderator</a:t>
-            </a:r>
-          </a:p>
-        </p:txBody>
-      </p:sp>
-      <p:cxnSp>
-        <p:nvCxnSpPr>
-          <p:cNvPr id="92" name="Connector: Elbow 91">
-            <a:extLst>
-              <a:ext uri="{FF2B5EF4-FFF2-40B4-BE49-F238E27FC236}">
-                <a16:creationId xmlns:a16="http://schemas.microsoft.com/office/drawing/2014/main" id="{9DD49AF7-B0D8-7F0E-7E5E-50DED81EA9B5}"/>
-              </a:ext>
-            </a:extLst>
-          </p:cNvPr>
-          <p:cNvCxnSpPr>
-            <a:stCxn id="77" idx="6"/>
-          </p:cNvCxnSpPr>
-          <p:nvPr/>
-        </p:nvCxnSpPr>
-        <p:spPr>
-          <a:xfrm flipV="1">
-            <a:off x="10766838" y="5254386"/>
-            <a:ext cx="2518198" cy="251350"/>
-          </a:xfrm>
-          <a:prstGeom prst="bentConnector3">
-            <a:avLst/>
-          </a:prstGeom>
-        </p:spPr>
-        <p:style>
-          <a:lnRef idx="1">
-            <a:schemeClr val="dk1"/>
-          </a:lnRef>
-          <a:fillRef idx="0">
-            <a:schemeClr val="dk1"/>
-          </a:fillRef>
-          <a:effectRef idx="0">
-            <a:schemeClr val="dk1"/>
-          </a:effectRef>
-          <a:fontRef idx="minor">
-            <a:schemeClr val="tx1"/>
-          </a:fontRef>
-        </p:style>
-      </p:cxnSp>
-      <p:cxnSp>
-        <p:nvCxnSpPr>
-          <p:cNvPr id="94" name="Connector: Elbow 93">
-            <a:extLst>
-              <a:ext uri="{FF2B5EF4-FFF2-40B4-BE49-F238E27FC236}">
-                <a16:creationId xmlns:a16="http://schemas.microsoft.com/office/drawing/2014/main" id="{BF391181-482B-F96F-F933-A7A8AB4B037B}"/>
-              </a:ext>
-            </a:extLst>
-          </p:cNvPr>
-          <p:cNvCxnSpPr>
-            <a:cxnSpLocks/>
-          </p:cNvCxnSpPr>
-          <p:nvPr/>
-        </p:nvCxnSpPr>
-        <p:spPr>
-          <a:xfrm rot="10800000">
-            <a:off x="9276263" y="5064339"/>
-            <a:ext cx="4008774" cy="182014"/>
-          </a:xfrm>
-          <a:prstGeom prst="bentConnector3">
-            <a:avLst>
-              <a:gd name="adj1" fmla="val 50000"/>
-            </a:avLst>
-          </a:prstGeom>
-        </p:spPr>
-        <p:style>
-          <a:lnRef idx="1">
-            <a:schemeClr val="dk1"/>
-          </a:lnRef>
-          <a:fillRef idx="0">
-            <a:schemeClr val="dk1"/>
-          </a:fillRef>
-          <a:effectRef idx="0">
-            <a:schemeClr val="dk1"/>
-          </a:effectRef>
-          <a:fontRef idx="minor">
-            <a:schemeClr val="tx1"/>
-          </a:fontRef>
-        </p:style>
-      </p:cxnSp>
-      <p:cxnSp>
-        <p:nvCxnSpPr>
-          <p:cNvPr id="99" name="Connector: Elbow 98">
-            <a:extLst>
-              <a:ext uri="{FF2B5EF4-FFF2-40B4-BE49-F238E27FC236}">
-                <a16:creationId xmlns:a16="http://schemas.microsoft.com/office/drawing/2014/main" id="{D62659F1-629D-935A-D259-942E1EFBF61D}"/>
-              </a:ext>
-            </a:extLst>
-          </p:cNvPr>
-          <p:cNvCxnSpPr>
-            <a:endCxn id="68" idx="4"/>
-          </p:cNvCxnSpPr>
-          <p:nvPr/>
-        </p:nvCxnSpPr>
-        <p:spPr>
-          <a:xfrm rot="16200000" flipV="1">
-            <a:off x="7247552" y="3035627"/>
-            <a:ext cx="2809835" cy="1247591"/>
-          </a:xfrm>
-          <a:prstGeom prst="bentConnector3">
-            <a:avLst/>
-          </a:prstGeom>
-        </p:spPr>
-        <p:style>
-          <a:lnRef idx="1">
-            <a:schemeClr val="dk1"/>
-          </a:lnRef>
-          <a:fillRef idx="0">
-            <a:schemeClr val="dk1"/>
-          </a:fillRef>
-          <a:effectRef idx="0">
-            <a:schemeClr val="dk1"/>
-          </a:effectRef>
-          <a:fontRef idx="minor">
-            <a:schemeClr val="tx1"/>
-          </a:fontRef>
-        </p:style>
-      </p:cxnSp>
-      <p:cxnSp>
-        <p:nvCxnSpPr>
-          <p:cNvPr id="107" name="Connector: Elbow 106">
-            <a:extLst>
-              <a:ext uri="{FF2B5EF4-FFF2-40B4-BE49-F238E27FC236}">
-                <a16:creationId xmlns:a16="http://schemas.microsoft.com/office/drawing/2014/main" id="{0572E365-AE1A-D30E-F0A3-CA8BA7D0117C}"/>
-              </a:ext>
-            </a:extLst>
-          </p:cNvPr>
-          <p:cNvCxnSpPr>
-            <a:cxnSpLocks/>
-            <a:endCxn id="50" idx="4"/>
-          </p:cNvCxnSpPr>
-          <p:nvPr/>
-        </p:nvCxnSpPr>
-        <p:spPr>
-          <a:xfrm rot="10800000">
-            <a:off x="4977790" y="6071069"/>
-            <a:ext cx="8600544" cy="385560"/>
-          </a:xfrm>
-          <a:prstGeom prst="bentConnector2">
-            <a:avLst/>
-          </a:prstGeom>
-        </p:spPr>
-        <p:style>
-          <a:lnRef idx="1">
-            <a:schemeClr val="dk1"/>
-          </a:lnRef>
-          <a:fillRef idx="0">
-            <a:schemeClr val="dk1"/>
-          </a:fillRef>
-          <a:effectRef idx="0">
-            <a:schemeClr val="dk1"/>
-          </a:effectRef>
-          <a:fontRef idx="minor">
-            <a:schemeClr val="tx1"/>
-          </a:fontRef>
-        </p:style>
-      </p:cxnSp>
-      <p:cxnSp>
-        <p:nvCxnSpPr>
-          <p:cNvPr id="112" name="Straight Connector 111">
-            <a:extLst>
-              <a:ext uri="{FF2B5EF4-FFF2-40B4-BE49-F238E27FC236}">
-                <a16:creationId xmlns:a16="http://schemas.microsoft.com/office/drawing/2014/main" id="{2876E46F-63F5-CE66-8DA8-9A539D86C6CE}"/>
-              </a:ext>
-            </a:extLst>
-          </p:cNvPr>
-          <p:cNvCxnSpPr/>
-          <p:nvPr/>
-        </p:nvCxnSpPr>
-        <p:spPr>
-          <a:xfrm flipV="1">
-            <a:off x="13578334" y="6109256"/>
-            <a:ext cx="0" cy="347374"/>
-          </a:xfrm>
-          <a:prstGeom prst="line">
-            <a:avLst/>
-          </a:prstGeom>
-        </p:spPr>
-        <p:style>
-          <a:lnRef idx="1">
-            <a:schemeClr val="dk1"/>
-          </a:lnRef>
-          <a:fillRef idx="0">
-            <a:schemeClr val="dk1"/>
-          </a:fillRef>
-          <a:effectRef idx="0">
-            <a:schemeClr val="dk1"/>
-          </a:effectRef>
-          <a:fontRef idx="minor">
-            <a:schemeClr val="tx1"/>
-          </a:fontRef>
-        </p:style>
-      </p:cxnSp>
-      <p:sp>
-        <p:nvSpPr>
-          <p:cNvPr id="113" name="Oval 112">
-            <a:extLst>
-              <a:ext uri="{FF2B5EF4-FFF2-40B4-BE49-F238E27FC236}">
-                <a16:creationId xmlns:a16="http://schemas.microsoft.com/office/drawing/2014/main" id="{40DE7F3C-DEE5-6C05-3F6C-A9E10ADBE8A3}"/>
-              </a:ext>
-            </a:extLst>
-          </p:cNvPr>
+            <a:r>
+              <a:rPr lang="el-GR" sz="1000" dirty="0"/>
+              <a:t>Αντίδραση</a:t>
+            </a:r>
+            <a:endParaRPr lang="en-US" sz="1000" dirty="0"/>
+          </a:p>
+        </p:txBody>
+      </p:sp>
+      <p:sp>
+        <p:nvSpPr>
+          <p:cNvPr id="114" name="Oval 113"/>
           <p:cNvSpPr/>
           <p:nvPr/>
         </p:nvSpPr>
         <p:spPr>
           <a:xfrm>
-            <a:off x="831766" y="3210778"/>
-            <a:ext cx="1095039" cy="574732"/>
+            <a:off x="2104760" y="1788957"/>
+            <a:ext cx="730450" cy="494277"/>
           </a:xfrm>
           <a:prstGeom prst="ellipse">
             <a:avLst/>
@@ -5307,8 +4843,8 @@
           <a:p>
             <a:pPr algn="ctr"/>
             <a:r>
-              <a:rPr lang="el-GR" sz="1000" dirty="0"/>
-              <a:t>Αντίδραση</a:t>
+              <a:rPr lang="en-US" sz="1000" dirty="0"/>
+              <a:t>Like</a:t>
             </a:r>
             <a:endParaRPr lang="en-US" sz="1000" dirty="0"/>
           </a:p>
@@ -5316,20 +4852,14 @@
       </p:sp>
       <p:sp>
         <p:nvSpPr>
-          <p:cNvPr id="114" name="Oval 113">
-            <a:extLst>
-              <a:ext uri="{FF2B5EF4-FFF2-40B4-BE49-F238E27FC236}">
-                <a16:creationId xmlns:a16="http://schemas.microsoft.com/office/drawing/2014/main" id="{C4479FB0-63B7-DA1B-D781-326FA03AADCF}"/>
-              </a:ext>
-            </a:extLst>
-          </p:cNvPr>
+          <p:cNvPr id="115" name="Oval 114"/>
           <p:cNvSpPr/>
           <p:nvPr/>
         </p:nvSpPr>
         <p:spPr>
           <a:xfrm>
-            <a:off x="2104760" y="1788957"/>
-            <a:ext cx="730450" cy="494277"/>
+            <a:off x="102234" y="4817200"/>
+            <a:ext cx="1026261" cy="494277"/>
           </a:xfrm>
           <a:prstGeom prst="ellipse">
             <a:avLst/>
@@ -5372,27 +4902,22 @@
             <a:pPr algn="ctr"/>
             <a:r>
               <a:rPr lang="en-US" sz="1000" dirty="0"/>
-              <a:t>Like</a:t>
-            </a:r>
-          </a:p>
-        </p:txBody>
-      </p:sp>
-      <p:sp>
-        <p:nvSpPr>
-          <p:cNvPr id="115" name="Oval 114">
-            <a:extLst>
-              <a:ext uri="{FF2B5EF4-FFF2-40B4-BE49-F238E27FC236}">
-                <a16:creationId xmlns:a16="http://schemas.microsoft.com/office/drawing/2014/main" id="{62D9AC34-5F10-DB43-B318-3D51EB166641}"/>
-              </a:ext>
-            </a:extLst>
-          </p:cNvPr>
+              <a:t>Comment</a:t>
+            </a:r>
+            <a:endParaRPr lang="en-US" sz="1000" dirty="0"/>
+          </a:p>
+        </p:txBody>
+      </p:sp>
+      <p:sp>
+        <p:nvSpPr>
+          <p:cNvPr id="116" name="Oval 115"/>
           <p:cNvSpPr/>
           <p:nvPr/>
         </p:nvSpPr>
         <p:spPr>
           <a:xfrm>
-            <a:off x="102234" y="4817200"/>
-            <a:ext cx="1026261" cy="494277"/>
+            <a:off x="2074805" y="4817200"/>
+            <a:ext cx="872156" cy="494277"/>
           </a:xfrm>
           <a:prstGeom prst="ellipse">
             <a:avLst/>
@@ -5435,27 +4960,22 @@
             <a:pPr algn="ctr"/>
             <a:r>
               <a:rPr lang="en-US" sz="1000" dirty="0"/>
-              <a:t>Comment</a:t>
-            </a:r>
-          </a:p>
-        </p:txBody>
-      </p:sp>
-      <p:sp>
-        <p:nvSpPr>
-          <p:cNvPr id="116" name="Oval 115">
-            <a:extLst>
-              <a:ext uri="{FF2B5EF4-FFF2-40B4-BE49-F238E27FC236}">
-                <a16:creationId xmlns:a16="http://schemas.microsoft.com/office/drawing/2014/main" id="{A30F2D3C-EB6D-3EBE-6412-B09D03DBC8BA}"/>
-              </a:ext>
-            </a:extLst>
-          </p:cNvPr>
+              <a:t>Report</a:t>
+            </a:r>
+            <a:endParaRPr lang="en-US" sz="1000" dirty="0"/>
+          </a:p>
+        </p:txBody>
+      </p:sp>
+      <p:sp>
+        <p:nvSpPr>
+          <p:cNvPr id="117" name="Oval 116"/>
           <p:cNvSpPr/>
           <p:nvPr/>
         </p:nvSpPr>
         <p:spPr>
           <a:xfrm>
-            <a:off x="2074805" y="4817200"/>
-            <a:ext cx="872156" cy="494277"/>
+            <a:off x="102886" y="1811183"/>
+            <a:ext cx="1026261" cy="494277"/>
           </a:xfrm>
           <a:prstGeom prst="ellipse">
             <a:avLst/>
@@ -5498,27 +5018,288 @@
             <a:pPr algn="ctr"/>
             <a:r>
               <a:rPr lang="en-US" sz="1000" dirty="0"/>
-              <a:t>Report</a:t>
-            </a:r>
-          </a:p>
-        </p:txBody>
-      </p:sp>
-      <p:sp>
-        <p:nvSpPr>
-          <p:cNvPr id="117" name="Oval 116">
-            <a:extLst>
-              <a:ext uri="{FF2B5EF4-FFF2-40B4-BE49-F238E27FC236}">
-                <a16:creationId xmlns:a16="http://schemas.microsoft.com/office/drawing/2014/main" id="{89507E99-492B-DF74-B284-1A57340CB69C}"/>
-              </a:ext>
-            </a:extLst>
-          </p:cNvPr>
+              <a:t>Dislike</a:t>
+            </a:r>
+            <a:endParaRPr lang="en-US" sz="1000" dirty="0"/>
+          </a:p>
+        </p:txBody>
+      </p:sp>
+      <p:cxnSp>
+        <p:nvCxnSpPr>
+          <p:cNvPr id="119" name="Connector: Elbow 118"/>
+          <p:cNvCxnSpPr>
+            <a:stCxn id="113" idx="4"/>
+            <a:endCxn id="116" idx="0"/>
+          </p:cNvCxnSpPr>
+          <p:nvPr/>
+        </p:nvCxnSpPr>
+        <p:spPr>
+          <a:xfrm rot="16200000" flipH="1">
+            <a:off x="1429239" y="3735556"/>
+            <a:ext cx="1031690" cy="1131597"/>
+          </a:xfrm>
+          <a:prstGeom prst="bentConnector3">
+            <a:avLst/>
+          </a:prstGeom>
+          <a:ln>
+            <a:tailEnd type="triangle"/>
+          </a:ln>
+        </p:spPr>
+        <p:style>
+          <a:lnRef idx="1">
+            <a:schemeClr val="dk1"/>
+          </a:lnRef>
+          <a:fillRef idx="0">
+            <a:schemeClr val="dk1"/>
+          </a:fillRef>
+          <a:effectRef idx="0">
+            <a:schemeClr val="dk1"/>
+          </a:effectRef>
+          <a:fontRef idx="minor">
+            <a:schemeClr val="tx1"/>
+          </a:fontRef>
+        </p:style>
+      </p:cxnSp>
+      <p:cxnSp>
+        <p:nvCxnSpPr>
+          <p:cNvPr id="121" name="Connector: Elbow 120"/>
+          <p:cNvCxnSpPr>
+            <a:stCxn id="113" idx="4"/>
+            <a:endCxn id="115" idx="0"/>
+          </p:cNvCxnSpPr>
+          <p:nvPr/>
+        </p:nvCxnSpPr>
+        <p:spPr>
+          <a:xfrm rot="5400000">
+            <a:off x="481481" y="3919395"/>
+            <a:ext cx="1031690" cy="763921"/>
+          </a:xfrm>
+          <a:prstGeom prst="bentConnector3">
+            <a:avLst/>
+          </a:prstGeom>
+          <a:ln>
+            <a:tailEnd type="triangle"/>
+          </a:ln>
+        </p:spPr>
+        <p:style>
+          <a:lnRef idx="1">
+            <a:schemeClr val="dk1"/>
+          </a:lnRef>
+          <a:fillRef idx="0">
+            <a:schemeClr val="dk1"/>
+          </a:fillRef>
+          <a:effectRef idx="0">
+            <a:schemeClr val="dk1"/>
+          </a:effectRef>
+          <a:fontRef idx="minor">
+            <a:schemeClr val="tx1"/>
+          </a:fontRef>
+        </p:style>
+      </p:cxnSp>
+      <p:cxnSp>
+        <p:nvCxnSpPr>
+          <p:cNvPr id="123" name="Connector: Elbow 122"/>
+          <p:cNvCxnSpPr>
+            <a:stCxn id="113" idx="0"/>
+            <a:endCxn id="114" idx="4"/>
+          </p:cNvCxnSpPr>
+          <p:nvPr/>
+        </p:nvCxnSpPr>
+        <p:spPr>
+          <a:xfrm rot="5400000" flipH="1" flipV="1">
+            <a:off x="1460863" y="2201657"/>
+            <a:ext cx="927544" cy="1090699"/>
+          </a:xfrm>
+          <a:prstGeom prst="bentConnector3">
+            <a:avLst>
+              <a:gd name="adj1" fmla="val 48973"/>
+            </a:avLst>
+          </a:prstGeom>
+          <a:ln>
+            <a:tailEnd type="triangle"/>
+          </a:ln>
+        </p:spPr>
+        <p:style>
+          <a:lnRef idx="1">
+            <a:schemeClr val="dk1"/>
+          </a:lnRef>
+          <a:fillRef idx="0">
+            <a:schemeClr val="dk1"/>
+          </a:fillRef>
+          <a:effectRef idx="0">
+            <a:schemeClr val="dk1"/>
+          </a:effectRef>
+          <a:fontRef idx="minor">
+            <a:schemeClr val="tx1"/>
+          </a:fontRef>
+        </p:style>
+      </p:cxnSp>
+      <p:cxnSp>
+        <p:nvCxnSpPr>
+          <p:cNvPr id="125" name="Connector: Elbow 124"/>
+          <p:cNvCxnSpPr>
+            <a:stCxn id="113" idx="0"/>
+            <a:endCxn id="117" idx="4"/>
+          </p:cNvCxnSpPr>
+          <p:nvPr/>
+        </p:nvCxnSpPr>
+        <p:spPr>
+          <a:xfrm rot="16200000" flipV="1">
+            <a:off x="544993" y="2376484"/>
+            <a:ext cx="905318" cy="763269"/>
+          </a:xfrm>
+          <a:prstGeom prst="bentConnector3">
+            <a:avLst/>
+          </a:prstGeom>
+          <a:ln>
+            <a:tailEnd type="triangle"/>
+          </a:ln>
+        </p:spPr>
+        <p:style>
+          <a:lnRef idx="1">
+            <a:schemeClr val="dk1"/>
+          </a:lnRef>
+          <a:fillRef idx="0">
+            <a:schemeClr val="dk1"/>
+          </a:fillRef>
+          <a:effectRef idx="0">
+            <a:schemeClr val="dk1"/>
+          </a:effectRef>
+          <a:fontRef idx="minor">
+            <a:schemeClr val="tx1"/>
+          </a:fontRef>
+        </p:style>
+      </p:cxnSp>
+      <p:sp>
+        <p:nvSpPr>
+          <p:cNvPr id="127" name="TextBox 126"/>
+          <p:cNvSpPr txBox="1"/>
+          <p:nvPr/>
+        </p:nvSpPr>
+        <p:spPr>
+          <a:xfrm>
+            <a:off x="1568205" y="4100234"/>
+            <a:ext cx="962920" cy="246221"/>
+          </a:xfrm>
+          <a:prstGeom prst="rect">
+            <a:avLst/>
+          </a:prstGeom>
+          <a:noFill/>
+        </p:spPr>
+        <p:txBody>
+          <a:bodyPr wrap="square" rtlCol="0">
+            <a:spAutoFit/>
+          </a:bodyPr>
+          <a:lstStyle/>
+          <a:p>
+            <a:r>
+              <a:rPr lang="en-US" sz="1000" dirty="0"/>
+              <a:t>&lt;&lt;include&gt;&gt;</a:t>
+            </a:r>
+            <a:endParaRPr lang="en-US" sz="1000" dirty="0"/>
+          </a:p>
+        </p:txBody>
+      </p:sp>
+      <p:sp>
+        <p:nvSpPr>
+          <p:cNvPr id="128" name="TextBox 127"/>
+          <p:cNvSpPr txBox="1"/>
+          <p:nvPr/>
+        </p:nvSpPr>
+        <p:spPr>
+          <a:xfrm>
+            <a:off x="568038" y="4076672"/>
+            <a:ext cx="962920" cy="246221"/>
+          </a:xfrm>
+          <a:prstGeom prst="rect">
+            <a:avLst/>
+          </a:prstGeom>
+          <a:noFill/>
+        </p:spPr>
+        <p:txBody>
+          <a:bodyPr wrap="square" rtlCol="0">
+            <a:spAutoFit/>
+          </a:bodyPr>
+          <a:lstStyle/>
+          <a:p>
+            <a:r>
+              <a:rPr lang="en-US" sz="1000" dirty="0"/>
+              <a:t>&lt;&lt;include&gt;&gt;</a:t>
+            </a:r>
+            <a:endParaRPr lang="en-US" sz="1000" dirty="0"/>
+          </a:p>
+        </p:txBody>
+      </p:sp>
+      <p:sp>
+        <p:nvSpPr>
+          <p:cNvPr id="129" name="TextBox 128"/>
+          <p:cNvSpPr txBox="1"/>
+          <p:nvPr/>
+        </p:nvSpPr>
+        <p:spPr>
+          <a:xfrm>
+            <a:off x="1568460" y="2558695"/>
+            <a:ext cx="962920" cy="246221"/>
+          </a:xfrm>
+          <a:prstGeom prst="rect">
+            <a:avLst/>
+          </a:prstGeom>
+          <a:noFill/>
+        </p:spPr>
+        <p:txBody>
+          <a:bodyPr wrap="square" rtlCol="0">
+            <a:spAutoFit/>
+          </a:bodyPr>
+          <a:lstStyle/>
+          <a:p>
+            <a:r>
+              <a:rPr lang="en-US" sz="1000" dirty="0"/>
+              <a:t>&lt;&lt;include&gt;&gt;</a:t>
+            </a:r>
+            <a:endParaRPr lang="en-US" sz="1000" dirty="0"/>
+          </a:p>
+        </p:txBody>
+      </p:sp>
+      <p:sp>
+        <p:nvSpPr>
+          <p:cNvPr id="130" name="TextBox 129"/>
+          <p:cNvSpPr txBox="1"/>
+          <p:nvPr/>
+        </p:nvSpPr>
+        <p:spPr>
+          <a:xfrm>
+            <a:off x="597501" y="2558694"/>
+            <a:ext cx="962920" cy="246221"/>
+          </a:xfrm>
+          <a:prstGeom prst="rect">
+            <a:avLst/>
+          </a:prstGeom>
+          <a:noFill/>
+        </p:spPr>
+        <p:txBody>
+          <a:bodyPr wrap="square" rtlCol="0">
+            <a:spAutoFit/>
+          </a:bodyPr>
+          <a:lstStyle/>
+          <a:p>
+            <a:r>
+              <a:rPr lang="en-US" sz="1000" dirty="0"/>
+              <a:t>&lt;&lt;include&gt;&gt;</a:t>
+            </a:r>
+            <a:endParaRPr lang="en-US" sz="1000" dirty="0"/>
+          </a:p>
+        </p:txBody>
+      </p:sp>
+      <p:sp>
+        <p:nvSpPr>
+          <p:cNvPr id="131" name="Oval 130"/>
           <p:cNvSpPr/>
           <p:nvPr/>
         </p:nvSpPr>
         <p:spPr>
           <a:xfrm>
-            <a:off x="102886" y="1811183"/>
-            <a:ext cx="1026261" cy="494277"/>
+            <a:off x="2719999" y="7884166"/>
+            <a:ext cx="1146963" cy="644714"/>
           </a:xfrm>
           <a:prstGeom prst="ellipse">
             <a:avLst/>
@@ -5561,37 +5342,26 @@
             <a:pPr algn="ctr"/>
             <a:r>
               <a:rPr lang="en-US" sz="1000" dirty="0"/>
-              <a:t>Dislike</a:t>
-            </a:r>
+              <a:t>Change Settings</a:t>
+            </a:r>
+            <a:endParaRPr lang="en-US" sz="1000" dirty="0"/>
           </a:p>
         </p:txBody>
       </p:sp>
       <p:cxnSp>
         <p:nvCxnSpPr>
-          <p:cNvPr id="119" name="Connector: Elbow 118">
-            <a:extLst>
-              <a:ext uri="{FF2B5EF4-FFF2-40B4-BE49-F238E27FC236}">
-                <a16:creationId xmlns:a16="http://schemas.microsoft.com/office/drawing/2014/main" id="{53D96FBA-BC98-E256-A217-F87BD03CEFB4}"/>
-              </a:ext>
-            </a:extLst>
-          </p:cNvPr>
-          <p:cNvCxnSpPr>
-            <a:stCxn id="113" idx="4"/>
-            <a:endCxn id="116" idx="0"/>
-          </p:cNvCxnSpPr>
+          <p:cNvPr id="133" name="Straight Connector 132"/>
+          <p:cNvCxnSpPr/>
           <p:nvPr/>
         </p:nvCxnSpPr>
         <p:spPr>
-          <a:xfrm rot="16200000" flipH="1">
-            <a:off x="1429239" y="3735556"/>
-            <a:ext cx="1031690" cy="1131597"/>
-          </a:xfrm>
-          <a:prstGeom prst="bentConnector3">
-            <a:avLst/>
-          </a:prstGeom>
-          <a:ln>
-            <a:tailEnd type="triangle"/>
-          </a:ln>
+          <a:xfrm>
+            <a:off x="3286293" y="5648303"/>
+            <a:ext cx="0" cy="2235863"/>
+          </a:xfrm>
+          <a:prstGeom prst="line">
+            <a:avLst/>
+          </a:prstGeom>
         </p:spPr>
         <p:style>
           <a:lnRef idx="1">
@@ -5608,290 +5378,16 @@
           </a:fontRef>
         </p:style>
       </p:cxnSp>
-      <p:cxnSp>
-        <p:nvCxnSpPr>
-          <p:cNvPr id="121" name="Connector: Elbow 120">
-            <a:extLst>
-              <a:ext uri="{FF2B5EF4-FFF2-40B4-BE49-F238E27FC236}">
-                <a16:creationId xmlns:a16="http://schemas.microsoft.com/office/drawing/2014/main" id="{EEC51054-6F1C-339D-870A-5E3142BCC99A}"/>
-              </a:ext>
-            </a:extLst>
-          </p:cNvPr>
-          <p:cNvCxnSpPr>
-            <a:stCxn id="113" idx="4"/>
-            <a:endCxn id="115" idx="0"/>
-          </p:cNvCxnSpPr>
-          <p:nvPr/>
-        </p:nvCxnSpPr>
-        <p:spPr>
-          <a:xfrm rot="5400000">
-            <a:off x="481481" y="3919395"/>
-            <a:ext cx="1031690" cy="763921"/>
-          </a:xfrm>
-          <a:prstGeom prst="bentConnector3">
-            <a:avLst/>
-          </a:prstGeom>
-          <a:ln>
-            <a:tailEnd type="triangle"/>
-          </a:ln>
-        </p:spPr>
-        <p:style>
-          <a:lnRef idx="1">
-            <a:schemeClr val="dk1"/>
-          </a:lnRef>
-          <a:fillRef idx="0">
-            <a:schemeClr val="dk1"/>
-          </a:fillRef>
-          <a:effectRef idx="0">
-            <a:schemeClr val="dk1"/>
-          </a:effectRef>
-          <a:fontRef idx="minor">
-            <a:schemeClr val="tx1"/>
-          </a:fontRef>
-        </p:style>
-      </p:cxnSp>
-      <p:cxnSp>
-        <p:nvCxnSpPr>
-          <p:cNvPr id="123" name="Connector: Elbow 122">
-            <a:extLst>
-              <a:ext uri="{FF2B5EF4-FFF2-40B4-BE49-F238E27FC236}">
-                <a16:creationId xmlns:a16="http://schemas.microsoft.com/office/drawing/2014/main" id="{E5A34619-BE12-A617-4865-7DA7A041112F}"/>
-              </a:ext>
-            </a:extLst>
-          </p:cNvPr>
-          <p:cNvCxnSpPr>
-            <a:stCxn id="113" idx="0"/>
-            <a:endCxn id="114" idx="4"/>
-          </p:cNvCxnSpPr>
-          <p:nvPr/>
-        </p:nvCxnSpPr>
-        <p:spPr>
-          <a:xfrm rot="5400000" flipH="1" flipV="1">
-            <a:off x="1460863" y="2201657"/>
-            <a:ext cx="927544" cy="1090699"/>
-          </a:xfrm>
-          <a:prstGeom prst="bentConnector3">
-            <a:avLst>
-              <a:gd name="adj1" fmla="val 48973"/>
-            </a:avLst>
-          </a:prstGeom>
-          <a:ln>
-            <a:tailEnd type="triangle"/>
-          </a:ln>
-        </p:spPr>
-        <p:style>
-          <a:lnRef idx="1">
-            <a:schemeClr val="dk1"/>
-          </a:lnRef>
-          <a:fillRef idx="0">
-            <a:schemeClr val="dk1"/>
-          </a:fillRef>
-          <a:effectRef idx="0">
-            <a:schemeClr val="dk1"/>
-          </a:effectRef>
-          <a:fontRef idx="minor">
-            <a:schemeClr val="tx1"/>
-          </a:fontRef>
-        </p:style>
-      </p:cxnSp>
-      <p:cxnSp>
-        <p:nvCxnSpPr>
-          <p:cNvPr id="125" name="Connector: Elbow 124">
-            <a:extLst>
-              <a:ext uri="{FF2B5EF4-FFF2-40B4-BE49-F238E27FC236}">
-                <a16:creationId xmlns:a16="http://schemas.microsoft.com/office/drawing/2014/main" id="{EE1D8B35-3160-1E94-96C9-50C50D36C9EE}"/>
-              </a:ext>
-            </a:extLst>
-          </p:cNvPr>
-          <p:cNvCxnSpPr>
-            <a:stCxn id="113" idx="0"/>
-            <a:endCxn id="117" idx="4"/>
-          </p:cNvCxnSpPr>
-          <p:nvPr/>
-        </p:nvCxnSpPr>
-        <p:spPr>
-          <a:xfrm rot="16200000" flipV="1">
-            <a:off x="544993" y="2376484"/>
-            <a:ext cx="905318" cy="763269"/>
-          </a:xfrm>
-          <a:prstGeom prst="bentConnector3">
-            <a:avLst/>
-          </a:prstGeom>
-          <a:ln>
-            <a:tailEnd type="triangle"/>
-          </a:ln>
-        </p:spPr>
-        <p:style>
-          <a:lnRef idx="1">
-            <a:schemeClr val="dk1"/>
-          </a:lnRef>
-          <a:fillRef idx="0">
-            <a:schemeClr val="dk1"/>
-          </a:fillRef>
-          <a:effectRef idx="0">
-            <a:schemeClr val="dk1"/>
-          </a:effectRef>
-          <a:fontRef idx="minor">
-            <a:schemeClr val="tx1"/>
-          </a:fontRef>
-        </p:style>
-      </p:cxnSp>
-      <p:sp>
-        <p:nvSpPr>
-          <p:cNvPr id="127" name="TextBox 126">
-            <a:extLst>
-              <a:ext uri="{FF2B5EF4-FFF2-40B4-BE49-F238E27FC236}">
-                <a16:creationId xmlns:a16="http://schemas.microsoft.com/office/drawing/2014/main" id="{544B32B6-9172-D35B-A011-27D53099C530}"/>
-              </a:ext>
-            </a:extLst>
-          </p:cNvPr>
-          <p:cNvSpPr txBox="1"/>
-          <p:nvPr/>
-        </p:nvSpPr>
-        <p:spPr>
-          <a:xfrm>
-            <a:off x="1568205" y="4100234"/>
-            <a:ext cx="962920" cy="246221"/>
-          </a:xfrm>
-          <a:prstGeom prst="rect">
-            <a:avLst/>
-          </a:prstGeom>
-          <a:noFill/>
-        </p:spPr>
-        <p:txBody>
-          <a:bodyPr wrap="square" rtlCol="0">
-            <a:spAutoFit/>
-          </a:bodyPr>
-          <a:lstStyle/>
-          <a:p>
-            <a:r>
-              <a:rPr lang="en-US" sz="1000" dirty="0"/>
-              <a:t>&lt;&lt;include&gt;&gt;</a:t>
-            </a:r>
-          </a:p>
-        </p:txBody>
-      </p:sp>
-      <p:sp>
-        <p:nvSpPr>
-          <p:cNvPr id="128" name="TextBox 127">
-            <a:extLst>
-              <a:ext uri="{FF2B5EF4-FFF2-40B4-BE49-F238E27FC236}">
-                <a16:creationId xmlns:a16="http://schemas.microsoft.com/office/drawing/2014/main" id="{72B58D32-CEED-A3E5-743B-253B9789A58E}"/>
-              </a:ext>
-            </a:extLst>
-          </p:cNvPr>
-          <p:cNvSpPr txBox="1"/>
-          <p:nvPr/>
-        </p:nvSpPr>
-        <p:spPr>
-          <a:xfrm>
-            <a:off x="568038" y="4076672"/>
-            <a:ext cx="962920" cy="246221"/>
-          </a:xfrm>
-          <a:prstGeom prst="rect">
-            <a:avLst/>
-          </a:prstGeom>
-          <a:noFill/>
-        </p:spPr>
-        <p:txBody>
-          <a:bodyPr wrap="square" rtlCol="0">
-            <a:spAutoFit/>
-          </a:bodyPr>
-          <a:lstStyle/>
-          <a:p>
-            <a:r>
-              <a:rPr lang="en-US" sz="1000" dirty="0"/>
-              <a:t>&lt;&lt;include&gt;&gt;</a:t>
-            </a:r>
-          </a:p>
-        </p:txBody>
-      </p:sp>
-      <p:sp>
-        <p:nvSpPr>
-          <p:cNvPr id="129" name="TextBox 128">
-            <a:extLst>
-              <a:ext uri="{FF2B5EF4-FFF2-40B4-BE49-F238E27FC236}">
-                <a16:creationId xmlns:a16="http://schemas.microsoft.com/office/drawing/2014/main" id="{F5CABB17-54C4-7648-444D-0064310C6304}"/>
-              </a:ext>
-            </a:extLst>
-          </p:cNvPr>
-          <p:cNvSpPr txBox="1"/>
-          <p:nvPr/>
-        </p:nvSpPr>
-        <p:spPr>
-          <a:xfrm>
-            <a:off x="1568460" y="2558695"/>
-            <a:ext cx="962920" cy="246221"/>
-          </a:xfrm>
-          <a:prstGeom prst="rect">
-            <a:avLst/>
-          </a:prstGeom>
-          <a:noFill/>
-        </p:spPr>
-        <p:txBody>
-          <a:bodyPr wrap="square" rtlCol="0">
-            <a:spAutoFit/>
-          </a:bodyPr>
-          <a:lstStyle/>
-          <a:p>
-            <a:r>
-              <a:rPr lang="en-US" sz="1000" dirty="0"/>
-              <a:t>&lt;&lt;include&gt;&gt;</a:t>
-            </a:r>
-          </a:p>
-        </p:txBody>
-      </p:sp>
-      <p:sp>
-        <p:nvSpPr>
-          <p:cNvPr id="130" name="TextBox 129">
-            <a:extLst>
-              <a:ext uri="{FF2B5EF4-FFF2-40B4-BE49-F238E27FC236}">
-                <a16:creationId xmlns:a16="http://schemas.microsoft.com/office/drawing/2014/main" id="{FC36BE7A-3FA5-548E-ABFA-BAB7D0446630}"/>
-              </a:ext>
-            </a:extLst>
-          </p:cNvPr>
-          <p:cNvSpPr txBox="1"/>
-          <p:nvPr/>
-        </p:nvSpPr>
-        <p:spPr>
-          <a:xfrm>
-            <a:off x="597501" y="2558694"/>
-            <a:ext cx="962920" cy="246221"/>
-          </a:xfrm>
-          <a:prstGeom prst="rect">
-            <a:avLst/>
-          </a:prstGeom>
-          <a:noFill/>
-        </p:spPr>
-        <p:txBody>
-          <a:bodyPr wrap="square" rtlCol="0">
-            <a:spAutoFit/>
-          </a:bodyPr>
-          <a:lstStyle/>
-          <a:p>
-            <a:r>
-              <a:rPr lang="en-US" sz="1000" dirty="0"/>
-              <a:t>&lt;&lt;include&gt;&gt;</a:t>
-            </a:r>
-          </a:p>
-        </p:txBody>
-      </p:sp>
-      <p:sp>
-        <p:nvSpPr>
-          <p:cNvPr id="131" name="Oval 130">
-            <a:extLst>
-              <a:ext uri="{FF2B5EF4-FFF2-40B4-BE49-F238E27FC236}">
-                <a16:creationId xmlns:a16="http://schemas.microsoft.com/office/drawing/2014/main" id="{40818C37-B3DE-B26A-683C-635D046B6C07}"/>
-              </a:ext>
-            </a:extLst>
-          </p:cNvPr>
+      <p:sp>
+        <p:nvSpPr>
+          <p:cNvPr id="138" name="Oval 137"/>
           <p:cNvSpPr/>
           <p:nvPr/>
         </p:nvSpPr>
         <p:spPr>
           <a:xfrm>
-            <a:off x="2719999" y="7884166"/>
-            <a:ext cx="1146963" cy="644714"/>
+            <a:off x="5588989" y="6953626"/>
+            <a:ext cx="1233574" cy="639374"/>
           </a:xfrm>
           <a:prstGeom prst="ellipse">
             <a:avLst/>
@@ -5933,30 +5429,29 @@
           <a:p>
             <a:pPr algn="ctr"/>
             <a:r>
+              <a:rPr lang="el-GR" sz="1000" dirty="0"/>
+              <a:t>Δημιουργία καινούργιων </a:t>
+            </a:r>
+            <a:r>
               <a:rPr lang="en-US" sz="1000" dirty="0"/>
-              <a:t>Update Settings</a:t>
-            </a:r>
+              <a:t>Wallpapers </a:t>
+            </a:r>
+            <a:endParaRPr lang="en-US" sz="1000" dirty="0"/>
           </a:p>
         </p:txBody>
       </p:sp>
       <p:cxnSp>
         <p:nvCxnSpPr>
-          <p:cNvPr id="133" name="Straight Connector 132">
-            <a:extLst>
-              <a:ext uri="{FF2B5EF4-FFF2-40B4-BE49-F238E27FC236}">
-                <a16:creationId xmlns:a16="http://schemas.microsoft.com/office/drawing/2014/main" id="{D5B581CA-32BB-8ED7-8E14-C8420B4F9859}"/>
-              </a:ext>
-            </a:extLst>
-          </p:cNvPr>
+          <p:cNvPr id="140" name="Straight Connector 139"/>
           <p:cNvCxnSpPr>
-            <a:cxnSpLocks/>
+            <a:stCxn id="138" idx="2"/>
           </p:cNvCxnSpPr>
           <p:nvPr/>
         </p:nvCxnSpPr>
         <p:spPr>
-          <a:xfrm>
-            <a:off x="3286293" y="5648303"/>
-            <a:ext cx="0" cy="2235863"/>
+          <a:xfrm flipH="1">
+            <a:off x="3286293" y="7273313"/>
+            <a:ext cx="2302696" cy="0"/>
           </a:xfrm>
           <a:prstGeom prst="line">
             <a:avLst/>
@@ -5979,20 +5474,14 @@
       </p:cxnSp>
       <p:sp>
         <p:nvSpPr>
-          <p:cNvPr id="138" name="Oval 137">
-            <a:extLst>
-              <a:ext uri="{FF2B5EF4-FFF2-40B4-BE49-F238E27FC236}">
-                <a16:creationId xmlns:a16="http://schemas.microsoft.com/office/drawing/2014/main" id="{5C6C9C1A-2AA8-F139-3232-B593BC901E50}"/>
-              </a:ext>
-            </a:extLst>
-          </p:cNvPr>
+          <p:cNvPr id="141" name="Oval 140"/>
           <p:cNvSpPr/>
           <p:nvPr/>
         </p:nvSpPr>
         <p:spPr>
           <a:xfrm>
-            <a:off x="5588989" y="6953626"/>
-            <a:ext cx="1233574" cy="639374"/>
+            <a:off x="8294637" y="7032295"/>
+            <a:ext cx="981625" cy="494277"/>
           </a:xfrm>
           <a:prstGeom prst="ellipse">
             <a:avLst/>
@@ -6035,37 +5524,32 @@
             <a:pPr algn="ctr"/>
             <a:r>
               <a:rPr lang="el-GR" sz="1000" dirty="0"/>
-              <a:t>Δημιουργία καινούργιων </a:t>
-            </a:r>
-            <a:r>
-              <a:rPr lang="en-US" sz="1000" dirty="0"/>
-              <a:t>Wallpapers </a:t>
-            </a:r>
+              <a:t>Μέσω ΑΙ</a:t>
+            </a:r>
+            <a:endParaRPr lang="en-US" sz="1000" dirty="0"/>
           </a:p>
         </p:txBody>
       </p:sp>
       <p:cxnSp>
         <p:nvCxnSpPr>
-          <p:cNvPr id="140" name="Straight Connector 139">
-            <a:extLst>
-              <a:ext uri="{FF2B5EF4-FFF2-40B4-BE49-F238E27FC236}">
-                <a16:creationId xmlns:a16="http://schemas.microsoft.com/office/drawing/2014/main" id="{48749C8A-D028-559D-CAA3-AE104F9C14A6}"/>
-              </a:ext>
-            </a:extLst>
-          </p:cNvPr>
+          <p:cNvPr id="143" name="Straight Arrow Connector 142"/>
           <p:cNvCxnSpPr>
-            <a:stCxn id="138" idx="2"/>
+            <a:stCxn id="138" idx="6"/>
+            <a:endCxn id="141" idx="2"/>
           </p:cNvCxnSpPr>
           <p:nvPr/>
         </p:nvCxnSpPr>
         <p:spPr>
-          <a:xfrm flipH="1">
-            <a:off x="3286293" y="7273313"/>
-            <a:ext cx="2302696" cy="0"/>
-          </a:xfrm>
-          <a:prstGeom prst="line">
-            <a:avLst/>
-          </a:prstGeom>
+          <a:xfrm>
+            <a:off x="6822563" y="7273313"/>
+            <a:ext cx="1472074" cy="6121"/>
+          </a:xfrm>
+          <a:prstGeom prst="straightConnector1">
+            <a:avLst/>
+          </a:prstGeom>
+          <a:ln>
+            <a:tailEnd type="triangle"/>
+          </a:ln>
         </p:spPr>
         <p:style>
           <a:lnRef idx="1">
@@ -6084,119 +5568,7 @@
       </p:cxnSp>
       <p:sp>
         <p:nvSpPr>
-          <p:cNvPr id="141" name="Oval 140">
-            <a:extLst>
-              <a:ext uri="{FF2B5EF4-FFF2-40B4-BE49-F238E27FC236}">
-                <a16:creationId xmlns:a16="http://schemas.microsoft.com/office/drawing/2014/main" id="{87EA06F7-B77C-D09F-3FF0-EA4CD0B3164F}"/>
-              </a:ext>
-            </a:extLst>
-          </p:cNvPr>
-          <p:cNvSpPr/>
-          <p:nvPr/>
-        </p:nvSpPr>
-        <p:spPr>
-          <a:xfrm>
-            <a:off x="8294637" y="7032295"/>
-            <a:ext cx="981625" cy="494277"/>
-          </a:xfrm>
-          <a:prstGeom prst="ellipse">
-            <a:avLst/>
-          </a:prstGeom>
-          <a:solidFill>
-            <a:schemeClr val="accent1">
-              <a:lumMod val="40000"/>
-              <a:lumOff val="60000"/>
-            </a:schemeClr>
-          </a:solidFill>
-          <a:ln>
-            <a:solidFill>
-              <a:schemeClr val="accent1">
-                <a:lumMod val="40000"/>
-                <a:lumOff val="60000"/>
-              </a:schemeClr>
-            </a:solidFill>
-          </a:ln>
-        </p:spPr>
-        <p:style>
-          <a:lnRef idx="2">
-            <a:schemeClr val="accent1">
-              <a:shade val="50000"/>
-            </a:schemeClr>
-          </a:lnRef>
-          <a:fillRef idx="1">
-            <a:schemeClr val="accent1"/>
-          </a:fillRef>
-          <a:effectRef idx="0">
-            <a:schemeClr val="accent1"/>
-          </a:effectRef>
-          <a:fontRef idx="minor">
-            <a:schemeClr val="lt1"/>
-          </a:fontRef>
-        </p:style>
-        <p:txBody>
-          <a:bodyPr rtlCol="0" anchor="ctr"/>
-          <a:lstStyle/>
-          <a:p>
-            <a:pPr algn="ctr"/>
-            <a:r>
-              <a:rPr lang="el-GR" sz="1000" dirty="0"/>
-              <a:t>Μέσω ΑΙ</a:t>
-            </a:r>
-            <a:endParaRPr lang="en-US" sz="1000" dirty="0"/>
-          </a:p>
-        </p:txBody>
-      </p:sp>
-      <p:cxnSp>
-        <p:nvCxnSpPr>
-          <p:cNvPr id="143" name="Straight Arrow Connector 142">
-            <a:extLst>
-              <a:ext uri="{FF2B5EF4-FFF2-40B4-BE49-F238E27FC236}">
-                <a16:creationId xmlns:a16="http://schemas.microsoft.com/office/drawing/2014/main" id="{316DC1E8-DFE9-938F-C153-1E6110645EA6}"/>
-              </a:ext>
-            </a:extLst>
-          </p:cNvPr>
-          <p:cNvCxnSpPr>
-            <a:stCxn id="138" idx="6"/>
-            <a:endCxn id="141" idx="2"/>
-          </p:cNvCxnSpPr>
-          <p:nvPr/>
-        </p:nvCxnSpPr>
-        <p:spPr>
-          <a:xfrm>
-            <a:off x="6822563" y="7273313"/>
-            <a:ext cx="1472074" cy="6121"/>
-          </a:xfrm>
-          <a:prstGeom prst="straightConnector1">
-            <a:avLst/>
-          </a:prstGeom>
-          <a:ln>
-            <a:tailEnd type="triangle"/>
-          </a:ln>
-        </p:spPr>
-        <p:style>
-          <a:lnRef idx="1">
-            <a:schemeClr val="dk1"/>
-          </a:lnRef>
-          <a:fillRef idx="0">
-            <a:schemeClr val="dk1"/>
-          </a:fillRef>
-          <a:effectRef idx="0">
-            <a:schemeClr val="dk1"/>
-          </a:effectRef>
-          <a:fontRef idx="minor">
-            <a:schemeClr val="tx1"/>
-          </a:fontRef>
-        </p:style>
-      </p:cxnSp>
-      <p:sp>
-        <p:nvSpPr>
-          <p:cNvPr id="144" name="TextBox 143">
-            <a:extLst>
-              <a:ext uri="{FF2B5EF4-FFF2-40B4-BE49-F238E27FC236}">
-                <a16:creationId xmlns:a16="http://schemas.microsoft.com/office/drawing/2014/main" id="{682FF0C0-A6E1-4F4D-031D-B207E024E4B7}"/>
-              </a:ext>
-            </a:extLst>
-          </p:cNvPr>
+          <p:cNvPr id="144" name="TextBox 143"/>
           <p:cNvSpPr txBox="1"/>
           <p:nvPr/>
         </p:nvSpPr>
@@ -6220,15 +5592,11 @@
               <a:rPr lang="en-US" sz="1200" dirty="0"/>
               <a:t>&lt;&lt;extend&gt;&gt;</a:t>
             </a:r>
+            <a:endParaRPr lang="en-US" sz="1200" dirty="0"/>
           </a:p>
         </p:txBody>
       </p:sp>
     </p:spTree>
-    <p:extLst>
-      <p:ext uri="{BB962C8B-B14F-4D97-AF65-F5344CB8AC3E}">
-        <p14:creationId xmlns:p14="http://schemas.microsoft.com/office/powerpoint/2010/main" val="2842433579"/>
-      </p:ext>
-    </p:extLst>
   </p:cSld>
   <p:clrMapOvr>
     <a:masterClrMapping/>
@@ -6279,7 +5647,7 @@
     </a:clrScheme>
     <a:fontScheme name="Office Theme">
       <a:majorFont>
-        <a:latin typeface="Calibri Light" panose="020F0302020204030204"/>
+        <a:latin typeface="Calibri Light"/>
         <a:ea typeface=""/>
         <a:cs typeface=""/>
         <a:font script="Jpan" typeface="游ゴシック Light"/>
@@ -6314,7 +5682,7 @@
         <a:font script="Geor" typeface="Sylfaen"/>
       </a:majorFont>
       <a:minorFont>
-        <a:latin typeface="Calibri" panose="020F0502020204030204"/>
+        <a:latin typeface="Calibri"/>
         <a:ea typeface=""/>
         <a:cs typeface=""/>
         <a:font script="Jpan" typeface="游ゴシック"/>
@@ -6487,8 +5855,6 @@
       </a:bgFillStyleLst>
     </a:fmtScheme>
   </a:themeElements>
-  <a:objectDefaults/>
-  <a:extraClrSchemeLst/>
   <a:extLst>
     <a:ext uri="{05A4C25C-085E-4340-85A3-A5531E510DB2}">
       <thm15:themeFamily xmlns:thm15="http://schemas.microsoft.com/office/thememl/2012/main" name="Office Theme" id="{62F939B6-93AF-4DB8-9C6B-D6C7DFDC589F}" vid="{4A3C46E8-61CC-4603-A589-7422A47A8E4A}"/>
